--- a/Wireframes.pptx
+++ b/Wireframes.pptx
@@ -4,15 +4,19 @@
   <p:sldMasterIdLst>
     <p:sldMasterId id="2147483648" r:id="rId1"/>
   </p:sldMasterIdLst>
+  <p:notesMasterIdLst>
+    <p:notesMasterId r:id="rId11"/>
+  </p:notesMasterIdLst>
   <p:sldIdLst>
     <p:sldId id="256" r:id="rId2"/>
     <p:sldId id="262" r:id="rId3"/>
     <p:sldId id="263" r:id="rId4"/>
-    <p:sldId id="259" r:id="rId5"/>
-    <p:sldId id="260" r:id="rId6"/>
-    <p:sldId id="257" r:id="rId7"/>
-    <p:sldId id="258" r:id="rId8"/>
-    <p:sldId id="261" r:id="rId9"/>
+    <p:sldId id="264" r:id="rId5"/>
+    <p:sldId id="259" r:id="rId6"/>
+    <p:sldId id="260" r:id="rId7"/>
+    <p:sldId id="257" r:id="rId8"/>
+    <p:sldId id="258" r:id="rId9"/>
+    <p:sldId id="261" r:id="rId10"/>
   </p:sldIdLst>
   <p:sldSz cx="9144000" cy="6858000" type="screen4x3"/>
   <p:notesSz cx="6858000" cy="9144000"/>
@@ -114,6 +118,537 @@
 </p:presentation>
 </file>
 
+<file path=ppt/notesMasters/notesMaster1.xml><?xml version="1.0" encoding="utf-8"?>
+<p:notesMaster xmlns:a="http://schemas.openxmlformats.org/drawingml/2006/main" xmlns:r="http://schemas.openxmlformats.org/officeDocument/2006/relationships" xmlns:p="http://schemas.openxmlformats.org/presentationml/2006/main">
+  <p:cSld>
+    <p:bg>
+      <p:bgRef idx="1001">
+        <a:schemeClr val="bg1"/>
+      </p:bgRef>
+    </p:bg>
+    <p:spTree>
+      <p:nvGrpSpPr>
+        <p:cNvPr id="1" name=""/>
+        <p:cNvGrpSpPr/>
+        <p:nvPr/>
+      </p:nvGrpSpPr>
+      <p:grpSpPr>
+        <a:xfrm>
+          <a:off x="0" y="0"/>
+          <a:ext cx="0" cy="0"/>
+          <a:chOff x="0" y="0"/>
+          <a:chExt cx="0" cy="0"/>
+        </a:xfrm>
+      </p:grpSpPr>
+      <p:sp>
+        <p:nvSpPr>
+          <p:cNvPr id="2" name="Header Placeholder 1"/>
+          <p:cNvSpPr>
+            <a:spLocks noGrp="1"/>
+          </p:cNvSpPr>
+          <p:nvPr>
+            <p:ph type="hdr" sz="quarter"/>
+          </p:nvPr>
+        </p:nvSpPr>
+        <p:spPr>
+          <a:xfrm>
+            <a:off x="0" y="0"/>
+            <a:ext cx="2971800" cy="457200"/>
+          </a:xfrm>
+          <a:prstGeom prst="rect">
+            <a:avLst/>
+          </a:prstGeom>
+        </p:spPr>
+        <p:txBody>
+          <a:bodyPr vert="horz" lIns="91440" tIns="45720" rIns="91440" bIns="45720" rtlCol="0"/>
+          <a:lstStyle>
+            <a:lvl1pPr algn="l">
+              <a:defRPr sz="1200"/>
+            </a:lvl1pPr>
+          </a:lstStyle>
+          <a:p>
+            <a:endParaRPr lang="en-US"/>
+          </a:p>
+        </p:txBody>
+      </p:sp>
+      <p:sp>
+        <p:nvSpPr>
+          <p:cNvPr id="3" name="Date Placeholder 2"/>
+          <p:cNvSpPr>
+            <a:spLocks noGrp="1"/>
+          </p:cNvSpPr>
+          <p:nvPr>
+            <p:ph type="dt" idx="1"/>
+          </p:nvPr>
+        </p:nvSpPr>
+        <p:spPr>
+          <a:xfrm>
+            <a:off x="3884613" y="0"/>
+            <a:ext cx="2971800" cy="457200"/>
+          </a:xfrm>
+          <a:prstGeom prst="rect">
+            <a:avLst/>
+          </a:prstGeom>
+        </p:spPr>
+        <p:txBody>
+          <a:bodyPr vert="horz" lIns="91440" tIns="45720" rIns="91440" bIns="45720" rtlCol="0"/>
+          <a:lstStyle>
+            <a:lvl1pPr algn="r">
+              <a:defRPr sz="1200"/>
+            </a:lvl1pPr>
+          </a:lstStyle>
+          <a:p>
+            <a:fld id="{0A08D431-F8AE-4489-82F1-DB050CB66665}" type="datetimeFigureOut">
+              <a:rPr lang="en-US" smtClean="0"/>
+              <a:t>9/9/2012</a:t>
+            </a:fld>
+            <a:endParaRPr lang="en-US"/>
+          </a:p>
+        </p:txBody>
+      </p:sp>
+      <p:sp>
+        <p:nvSpPr>
+          <p:cNvPr id="4" name="Slide Image Placeholder 3"/>
+          <p:cNvSpPr>
+            <a:spLocks noGrp="1" noRot="1" noChangeAspect="1"/>
+          </p:cNvSpPr>
+          <p:nvPr>
+            <p:ph type="sldImg" idx="2"/>
+          </p:nvPr>
+        </p:nvSpPr>
+        <p:spPr>
+          <a:xfrm>
+            <a:off x="1143000" y="685800"/>
+            <a:ext cx="4572000" cy="3429000"/>
+          </a:xfrm>
+          <a:prstGeom prst="rect">
+            <a:avLst/>
+          </a:prstGeom>
+          <a:noFill/>
+          <a:ln w="12700">
+            <a:solidFill>
+              <a:prstClr val="black"/>
+            </a:solidFill>
+          </a:ln>
+        </p:spPr>
+        <p:txBody>
+          <a:bodyPr vert="horz" lIns="91440" tIns="45720" rIns="91440" bIns="45720" rtlCol="0" anchor="ctr"/>
+          <a:lstStyle/>
+          <a:p>
+            <a:endParaRPr lang="en-US"/>
+          </a:p>
+        </p:txBody>
+      </p:sp>
+      <p:sp>
+        <p:nvSpPr>
+          <p:cNvPr id="5" name="Notes Placeholder 4"/>
+          <p:cNvSpPr>
+            <a:spLocks noGrp="1"/>
+          </p:cNvSpPr>
+          <p:nvPr>
+            <p:ph type="body" sz="quarter" idx="3"/>
+          </p:nvPr>
+        </p:nvSpPr>
+        <p:spPr>
+          <a:xfrm>
+            <a:off x="685800" y="4343400"/>
+            <a:ext cx="5486400" cy="4114800"/>
+          </a:xfrm>
+          <a:prstGeom prst="rect">
+            <a:avLst/>
+          </a:prstGeom>
+        </p:spPr>
+        <p:txBody>
+          <a:bodyPr vert="horz" lIns="91440" tIns="45720" rIns="91440" bIns="45720" rtlCol="0">
+            <a:normAutofit/>
+          </a:bodyPr>
+          <a:lstStyle/>
+          <a:p>
+            <a:pPr lvl="0"/>
+            <a:r>
+              <a:rPr lang="en-US" smtClean="0"/>
+              <a:t>Click to edit Master text styles</a:t>
+            </a:r>
+          </a:p>
+          <a:p>
+            <a:pPr lvl="1"/>
+            <a:r>
+              <a:rPr lang="en-US" smtClean="0"/>
+              <a:t>Second level</a:t>
+            </a:r>
+          </a:p>
+          <a:p>
+            <a:pPr lvl="2"/>
+            <a:r>
+              <a:rPr lang="en-US" smtClean="0"/>
+              <a:t>Third level</a:t>
+            </a:r>
+          </a:p>
+          <a:p>
+            <a:pPr lvl="3"/>
+            <a:r>
+              <a:rPr lang="en-US" smtClean="0"/>
+              <a:t>Fourth level</a:t>
+            </a:r>
+          </a:p>
+          <a:p>
+            <a:pPr lvl="4"/>
+            <a:r>
+              <a:rPr lang="en-US" smtClean="0"/>
+              <a:t>Fifth level</a:t>
+            </a:r>
+            <a:endParaRPr lang="en-US"/>
+          </a:p>
+        </p:txBody>
+      </p:sp>
+      <p:sp>
+        <p:nvSpPr>
+          <p:cNvPr id="6" name="Footer Placeholder 5"/>
+          <p:cNvSpPr>
+            <a:spLocks noGrp="1"/>
+          </p:cNvSpPr>
+          <p:nvPr>
+            <p:ph type="ftr" sz="quarter" idx="4"/>
+          </p:nvPr>
+        </p:nvSpPr>
+        <p:spPr>
+          <a:xfrm>
+            <a:off x="0" y="8685213"/>
+            <a:ext cx="2971800" cy="457200"/>
+          </a:xfrm>
+          <a:prstGeom prst="rect">
+            <a:avLst/>
+          </a:prstGeom>
+        </p:spPr>
+        <p:txBody>
+          <a:bodyPr vert="horz" lIns="91440" tIns="45720" rIns="91440" bIns="45720" rtlCol="0" anchor="b"/>
+          <a:lstStyle>
+            <a:lvl1pPr algn="l">
+              <a:defRPr sz="1200"/>
+            </a:lvl1pPr>
+          </a:lstStyle>
+          <a:p>
+            <a:endParaRPr lang="en-US"/>
+          </a:p>
+        </p:txBody>
+      </p:sp>
+      <p:sp>
+        <p:nvSpPr>
+          <p:cNvPr id="7" name="Slide Number Placeholder 6"/>
+          <p:cNvSpPr>
+            <a:spLocks noGrp="1"/>
+          </p:cNvSpPr>
+          <p:nvPr>
+            <p:ph type="sldNum" sz="quarter" idx="5"/>
+          </p:nvPr>
+        </p:nvSpPr>
+        <p:spPr>
+          <a:xfrm>
+            <a:off x="3884613" y="8685213"/>
+            <a:ext cx="2971800" cy="457200"/>
+          </a:xfrm>
+          <a:prstGeom prst="rect">
+            <a:avLst/>
+          </a:prstGeom>
+        </p:spPr>
+        <p:txBody>
+          <a:bodyPr vert="horz" lIns="91440" tIns="45720" rIns="91440" bIns="45720" rtlCol="0" anchor="b"/>
+          <a:lstStyle>
+            <a:lvl1pPr algn="r">
+              <a:defRPr sz="1200"/>
+            </a:lvl1pPr>
+          </a:lstStyle>
+          <a:p>
+            <a:fld id="{90F5FBB1-9047-4694-80E4-5A003DF26D83}" type="slidenum">
+              <a:rPr lang="en-US" smtClean="0"/>
+              <a:t>‹#›</a:t>
+            </a:fld>
+            <a:endParaRPr lang="en-US"/>
+          </a:p>
+        </p:txBody>
+      </p:sp>
+    </p:spTree>
+  </p:cSld>
+  <p:clrMap bg1="lt1" tx1="dk1" bg2="lt2" tx2="dk2" accent1="accent1" accent2="accent2" accent3="accent3" accent4="accent4" accent5="accent5" accent6="accent6" hlink="hlink" folHlink="folHlink"/>
+  <p:notesStyle>
+    <a:lvl1pPr marL="0" algn="l" defTabSz="914400" rtl="0" eaLnBrk="1" latinLnBrk="0" hangingPunct="1">
+      <a:defRPr sz="1200" kern="1200">
+        <a:solidFill>
+          <a:schemeClr val="tx1"/>
+        </a:solidFill>
+        <a:latin typeface="+mn-lt"/>
+        <a:ea typeface="+mn-ea"/>
+        <a:cs typeface="+mn-cs"/>
+      </a:defRPr>
+    </a:lvl1pPr>
+    <a:lvl2pPr marL="457200" algn="l" defTabSz="914400" rtl="0" eaLnBrk="1" latinLnBrk="0" hangingPunct="1">
+      <a:defRPr sz="1200" kern="1200">
+        <a:solidFill>
+          <a:schemeClr val="tx1"/>
+        </a:solidFill>
+        <a:latin typeface="+mn-lt"/>
+        <a:ea typeface="+mn-ea"/>
+        <a:cs typeface="+mn-cs"/>
+      </a:defRPr>
+    </a:lvl2pPr>
+    <a:lvl3pPr marL="914400" algn="l" defTabSz="914400" rtl="0" eaLnBrk="1" latinLnBrk="0" hangingPunct="1">
+      <a:defRPr sz="1200" kern="1200">
+        <a:solidFill>
+          <a:schemeClr val="tx1"/>
+        </a:solidFill>
+        <a:latin typeface="+mn-lt"/>
+        <a:ea typeface="+mn-ea"/>
+        <a:cs typeface="+mn-cs"/>
+      </a:defRPr>
+    </a:lvl3pPr>
+    <a:lvl4pPr marL="1371600" algn="l" defTabSz="914400" rtl="0" eaLnBrk="1" latinLnBrk="0" hangingPunct="1">
+      <a:defRPr sz="1200" kern="1200">
+        <a:solidFill>
+          <a:schemeClr val="tx1"/>
+        </a:solidFill>
+        <a:latin typeface="+mn-lt"/>
+        <a:ea typeface="+mn-ea"/>
+        <a:cs typeface="+mn-cs"/>
+      </a:defRPr>
+    </a:lvl4pPr>
+    <a:lvl5pPr marL="1828800" algn="l" defTabSz="914400" rtl="0" eaLnBrk="1" latinLnBrk="0" hangingPunct="1">
+      <a:defRPr sz="1200" kern="1200">
+        <a:solidFill>
+          <a:schemeClr val="tx1"/>
+        </a:solidFill>
+        <a:latin typeface="+mn-lt"/>
+        <a:ea typeface="+mn-ea"/>
+        <a:cs typeface="+mn-cs"/>
+      </a:defRPr>
+    </a:lvl5pPr>
+    <a:lvl6pPr marL="2286000" algn="l" defTabSz="914400" rtl="0" eaLnBrk="1" latinLnBrk="0" hangingPunct="1">
+      <a:defRPr sz="1200" kern="1200">
+        <a:solidFill>
+          <a:schemeClr val="tx1"/>
+        </a:solidFill>
+        <a:latin typeface="+mn-lt"/>
+        <a:ea typeface="+mn-ea"/>
+        <a:cs typeface="+mn-cs"/>
+      </a:defRPr>
+    </a:lvl6pPr>
+    <a:lvl7pPr marL="2743200" algn="l" defTabSz="914400" rtl="0" eaLnBrk="1" latinLnBrk="0" hangingPunct="1">
+      <a:defRPr sz="1200" kern="1200">
+        <a:solidFill>
+          <a:schemeClr val="tx1"/>
+        </a:solidFill>
+        <a:latin typeface="+mn-lt"/>
+        <a:ea typeface="+mn-ea"/>
+        <a:cs typeface="+mn-cs"/>
+      </a:defRPr>
+    </a:lvl7pPr>
+    <a:lvl8pPr marL="3200400" algn="l" defTabSz="914400" rtl="0" eaLnBrk="1" latinLnBrk="0" hangingPunct="1">
+      <a:defRPr sz="1200" kern="1200">
+        <a:solidFill>
+          <a:schemeClr val="tx1"/>
+        </a:solidFill>
+        <a:latin typeface="+mn-lt"/>
+        <a:ea typeface="+mn-ea"/>
+        <a:cs typeface="+mn-cs"/>
+      </a:defRPr>
+    </a:lvl8pPr>
+    <a:lvl9pPr marL="3657600" algn="l" defTabSz="914400" rtl="0" eaLnBrk="1" latinLnBrk="0" hangingPunct="1">
+      <a:defRPr sz="1200" kern="1200">
+        <a:solidFill>
+          <a:schemeClr val="tx1"/>
+        </a:solidFill>
+        <a:latin typeface="+mn-lt"/>
+        <a:ea typeface="+mn-ea"/>
+        <a:cs typeface="+mn-cs"/>
+      </a:defRPr>
+    </a:lvl9pPr>
+  </p:notesStyle>
+</p:notesMaster>
+</file>
+
+<file path=ppt/notesSlides/notesSlide1.xml><?xml version="1.0" encoding="utf-8"?>
+<p:notes xmlns:a="http://schemas.openxmlformats.org/drawingml/2006/main" xmlns:r="http://schemas.openxmlformats.org/officeDocument/2006/relationships" xmlns:p="http://schemas.openxmlformats.org/presentationml/2006/main">
+  <p:cSld>
+    <p:spTree>
+      <p:nvGrpSpPr>
+        <p:cNvPr id="1" name=""/>
+        <p:cNvGrpSpPr/>
+        <p:nvPr/>
+      </p:nvGrpSpPr>
+      <p:grpSpPr>
+        <a:xfrm>
+          <a:off x="0" y="0"/>
+          <a:ext cx="0" cy="0"/>
+          <a:chOff x="0" y="0"/>
+          <a:chExt cx="0" cy="0"/>
+        </a:xfrm>
+      </p:grpSpPr>
+      <p:sp>
+        <p:nvSpPr>
+          <p:cNvPr id="2" name="Slide Image Placeholder 1"/>
+          <p:cNvSpPr>
+            <a:spLocks noGrp="1" noRot="1" noChangeAspect="1"/>
+          </p:cNvSpPr>
+          <p:nvPr>
+            <p:ph type="sldImg"/>
+          </p:nvPr>
+        </p:nvSpPr>
+        <p:spPr/>
+      </p:sp>
+      <p:sp>
+        <p:nvSpPr>
+          <p:cNvPr id="3" name="Notes Placeholder 2"/>
+          <p:cNvSpPr>
+            <a:spLocks noGrp="1"/>
+          </p:cNvSpPr>
+          <p:nvPr>
+            <p:ph type="body" idx="1"/>
+          </p:nvPr>
+        </p:nvSpPr>
+        <p:spPr/>
+        <p:txBody>
+          <a:bodyPr>
+            <a:normAutofit/>
+          </a:bodyPr>
+          <a:lstStyle/>
+          <a:p>
+            <a:r>
+              <a:rPr lang="en-US" dirty="0" smtClean="0"/>
+              <a:t>Discussion</a:t>
+            </a:r>
+            <a:r>
+              <a:rPr lang="en-US" baseline="0" dirty="0" smtClean="0"/>
+              <a:t> point: perhaps a left column on the page for filtering instead of having the filter bar above the blog posts.</a:t>
+            </a:r>
+          </a:p>
+          <a:p>
+            <a:r>
+              <a:rPr lang="en-US" dirty="0" smtClean="0"/>
+              <a:t>Will</a:t>
+            </a:r>
+            <a:r>
+              <a:rPr lang="en-US" baseline="0" dirty="0" smtClean="0"/>
+              <a:t> need to research how to do blog posts</a:t>
+            </a:r>
+            <a:endParaRPr lang="en-US" dirty="0"/>
+          </a:p>
+        </p:txBody>
+      </p:sp>
+      <p:sp>
+        <p:nvSpPr>
+          <p:cNvPr id="4" name="Slide Number Placeholder 3"/>
+          <p:cNvSpPr>
+            <a:spLocks noGrp="1"/>
+          </p:cNvSpPr>
+          <p:nvPr>
+            <p:ph type="sldNum" sz="quarter" idx="10"/>
+          </p:nvPr>
+        </p:nvSpPr>
+        <p:spPr/>
+        <p:txBody>
+          <a:bodyPr/>
+          <a:lstStyle/>
+          <a:p>
+            <a:fld id="{90F5FBB1-9047-4694-80E4-5A003DF26D83}" type="slidenum">
+              <a:rPr lang="en-US" smtClean="0"/>
+              <a:t>3</a:t>
+            </a:fld>
+            <a:endParaRPr lang="en-US"/>
+          </a:p>
+        </p:txBody>
+      </p:sp>
+    </p:spTree>
+  </p:cSld>
+  <p:clrMapOvr>
+    <a:masterClrMapping/>
+  </p:clrMapOvr>
+</p:notes>
+</file>
+
+<file path=ppt/notesSlides/notesSlide2.xml><?xml version="1.0" encoding="utf-8"?>
+<p:notes xmlns:a="http://schemas.openxmlformats.org/drawingml/2006/main" xmlns:r="http://schemas.openxmlformats.org/officeDocument/2006/relationships" xmlns:p="http://schemas.openxmlformats.org/presentationml/2006/main">
+  <p:cSld>
+    <p:spTree>
+      <p:nvGrpSpPr>
+        <p:cNvPr id="1" name=""/>
+        <p:cNvGrpSpPr/>
+        <p:nvPr/>
+      </p:nvGrpSpPr>
+      <p:grpSpPr>
+        <a:xfrm>
+          <a:off x="0" y="0"/>
+          <a:ext cx="0" cy="0"/>
+          <a:chOff x="0" y="0"/>
+          <a:chExt cx="0" cy="0"/>
+        </a:xfrm>
+      </p:grpSpPr>
+      <p:sp>
+        <p:nvSpPr>
+          <p:cNvPr id="2" name="Slide Image Placeholder 1"/>
+          <p:cNvSpPr>
+            <a:spLocks noGrp="1" noRot="1" noChangeAspect="1"/>
+          </p:cNvSpPr>
+          <p:nvPr>
+            <p:ph type="sldImg"/>
+          </p:nvPr>
+        </p:nvSpPr>
+        <p:spPr/>
+      </p:sp>
+      <p:sp>
+        <p:nvSpPr>
+          <p:cNvPr id="3" name="Notes Placeholder 2"/>
+          <p:cNvSpPr>
+            <a:spLocks noGrp="1"/>
+          </p:cNvSpPr>
+          <p:nvPr>
+            <p:ph type="body" idx="1"/>
+          </p:nvPr>
+        </p:nvSpPr>
+        <p:spPr/>
+        <p:txBody>
+          <a:bodyPr>
+            <a:normAutofit/>
+          </a:bodyPr>
+          <a:lstStyle/>
+          <a:p>
+            <a:r>
+              <a:rPr lang="en-US" dirty="0" smtClean="0"/>
+              <a:t>About Us Template</a:t>
+            </a:r>
+            <a:endParaRPr lang="en-US" dirty="0"/>
+          </a:p>
+        </p:txBody>
+      </p:sp>
+      <p:sp>
+        <p:nvSpPr>
+          <p:cNvPr id="4" name="Slide Number Placeholder 3"/>
+          <p:cNvSpPr>
+            <a:spLocks noGrp="1"/>
+          </p:cNvSpPr>
+          <p:nvPr>
+            <p:ph type="sldNum" sz="quarter" idx="10"/>
+          </p:nvPr>
+        </p:nvSpPr>
+        <p:spPr/>
+        <p:txBody>
+          <a:bodyPr/>
+          <a:lstStyle/>
+          <a:p>
+            <a:fld id="{90F5FBB1-9047-4694-80E4-5A003DF26D83}" type="slidenum">
+              <a:rPr lang="en-US" smtClean="0"/>
+              <a:t>4</a:t>
+            </a:fld>
+            <a:endParaRPr lang="en-US"/>
+          </a:p>
+        </p:txBody>
+      </p:sp>
+    </p:spTree>
+  </p:cSld>
+  <p:clrMapOvr>
+    <a:masterClrMapping/>
+  </p:clrMapOvr>
+</p:notes>
+</file>
+
 <file path=ppt/slideLayouts/slideLayout1.xml><?xml version="1.0" encoding="utf-8"?>
 <p:sldLayout xmlns:a="http://schemas.openxmlformats.org/drawingml/2006/main" xmlns:r="http://schemas.openxmlformats.org/officeDocument/2006/relationships" xmlns:p="http://schemas.openxmlformats.org/presentationml/2006/main" type="title" preserve="1">
   <p:cSld name="Title Slide">
@@ -295,7 +830,8 @@
           <a:p>
             <a:fld id="{227847E7-3D62-454D-9C1D-514BA12D485F}" type="datetimeFigureOut">
               <a:rPr lang="en-US" smtClean="0"/>
-              <a:t>9/6/2012</a:t>
+              <a:pPr/>
+              <a:t>9/9/2012</a:t>
             </a:fld>
             <a:endParaRPr lang="en-US"/>
           </a:p>
@@ -337,6 +873,7 @@
           <a:p>
             <a:fld id="{4FF4F705-C26B-4D0B-8C11-250D93BB29BB}" type="slidenum">
               <a:rPr lang="en-US" smtClean="0"/>
+              <a:pPr/>
               <a:t>‹#›</a:t>
             </a:fld>
             <a:endParaRPr lang="en-US"/>
@@ -346,7 +883,7 @@
     </p:spTree>
     <p:extLst>
       <p:ext uri="{BB962C8B-B14F-4D97-AF65-F5344CB8AC3E}">
-        <p14:creationId xmlns:p14="http://schemas.microsoft.com/office/powerpoint/2010/main" val="1850904752"/>
+        <p14:creationId xmlns:p14="http://schemas.microsoft.com/office/powerpoint/2010/main" xmlns="" val="1850904752"/>
       </p:ext>
     </p:extLst>
   </p:cSld>
@@ -465,7 +1002,8 @@
           <a:p>
             <a:fld id="{227847E7-3D62-454D-9C1D-514BA12D485F}" type="datetimeFigureOut">
               <a:rPr lang="en-US" smtClean="0"/>
-              <a:t>9/6/2012</a:t>
+              <a:pPr/>
+              <a:t>9/9/2012</a:t>
             </a:fld>
             <a:endParaRPr lang="en-US"/>
           </a:p>
@@ -507,6 +1045,7 @@
           <a:p>
             <a:fld id="{4FF4F705-C26B-4D0B-8C11-250D93BB29BB}" type="slidenum">
               <a:rPr lang="en-US" smtClean="0"/>
+              <a:pPr/>
               <a:t>‹#›</a:t>
             </a:fld>
             <a:endParaRPr lang="en-US"/>
@@ -516,7 +1055,7 @@
     </p:spTree>
     <p:extLst>
       <p:ext uri="{BB962C8B-B14F-4D97-AF65-F5344CB8AC3E}">
-        <p14:creationId xmlns:p14="http://schemas.microsoft.com/office/powerpoint/2010/main" val="2939547058"/>
+        <p14:creationId xmlns:p14="http://schemas.microsoft.com/office/powerpoint/2010/main" xmlns="" val="2939547058"/>
       </p:ext>
     </p:extLst>
   </p:cSld>
@@ -645,7 +1184,8 @@
           <a:p>
             <a:fld id="{227847E7-3D62-454D-9C1D-514BA12D485F}" type="datetimeFigureOut">
               <a:rPr lang="en-US" smtClean="0"/>
-              <a:t>9/6/2012</a:t>
+              <a:pPr/>
+              <a:t>9/9/2012</a:t>
             </a:fld>
             <a:endParaRPr lang="en-US"/>
           </a:p>
@@ -687,6 +1227,7 @@
           <a:p>
             <a:fld id="{4FF4F705-C26B-4D0B-8C11-250D93BB29BB}" type="slidenum">
               <a:rPr lang="en-US" smtClean="0"/>
+              <a:pPr/>
               <a:t>‹#›</a:t>
             </a:fld>
             <a:endParaRPr lang="en-US"/>
@@ -696,7 +1237,7 @@
     </p:spTree>
     <p:extLst>
       <p:ext uri="{BB962C8B-B14F-4D97-AF65-F5344CB8AC3E}">
-        <p14:creationId xmlns:p14="http://schemas.microsoft.com/office/powerpoint/2010/main" val="517614475"/>
+        <p14:creationId xmlns:p14="http://schemas.microsoft.com/office/powerpoint/2010/main" xmlns="" val="517614475"/>
       </p:ext>
     </p:extLst>
   </p:cSld>
@@ -815,7 +1356,8 @@
           <a:p>
             <a:fld id="{227847E7-3D62-454D-9C1D-514BA12D485F}" type="datetimeFigureOut">
               <a:rPr lang="en-US" smtClean="0"/>
-              <a:t>9/6/2012</a:t>
+              <a:pPr/>
+              <a:t>9/9/2012</a:t>
             </a:fld>
             <a:endParaRPr lang="en-US"/>
           </a:p>
@@ -857,6 +1399,7 @@
           <a:p>
             <a:fld id="{4FF4F705-C26B-4D0B-8C11-250D93BB29BB}" type="slidenum">
               <a:rPr lang="en-US" smtClean="0"/>
+              <a:pPr/>
               <a:t>‹#›</a:t>
             </a:fld>
             <a:endParaRPr lang="en-US"/>
@@ -866,7 +1409,7 @@
     </p:spTree>
     <p:extLst>
       <p:ext uri="{BB962C8B-B14F-4D97-AF65-F5344CB8AC3E}">
-        <p14:creationId xmlns:p14="http://schemas.microsoft.com/office/powerpoint/2010/main" val="313139531"/>
+        <p14:creationId xmlns:p14="http://schemas.microsoft.com/office/powerpoint/2010/main" xmlns="" val="313139531"/>
       </p:ext>
     </p:extLst>
   </p:cSld>
@@ -1061,7 +1604,8 @@
           <a:p>
             <a:fld id="{227847E7-3D62-454D-9C1D-514BA12D485F}" type="datetimeFigureOut">
               <a:rPr lang="en-US" smtClean="0"/>
-              <a:t>9/6/2012</a:t>
+              <a:pPr/>
+              <a:t>9/9/2012</a:t>
             </a:fld>
             <a:endParaRPr lang="en-US"/>
           </a:p>
@@ -1103,6 +1647,7 @@
           <a:p>
             <a:fld id="{4FF4F705-C26B-4D0B-8C11-250D93BB29BB}" type="slidenum">
               <a:rPr lang="en-US" smtClean="0"/>
+              <a:pPr/>
               <a:t>‹#›</a:t>
             </a:fld>
             <a:endParaRPr lang="en-US"/>
@@ -1112,7 +1657,7 @@
     </p:spTree>
     <p:extLst>
       <p:ext uri="{BB962C8B-B14F-4D97-AF65-F5344CB8AC3E}">
-        <p14:creationId xmlns:p14="http://schemas.microsoft.com/office/powerpoint/2010/main" val="2873013374"/>
+        <p14:creationId xmlns:p14="http://schemas.microsoft.com/office/powerpoint/2010/main" xmlns="" val="2873013374"/>
       </p:ext>
     </p:extLst>
   </p:cSld>
@@ -1349,7 +1894,8 @@
           <a:p>
             <a:fld id="{227847E7-3D62-454D-9C1D-514BA12D485F}" type="datetimeFigureOut">
               <a:rPr lang="en-US" smtClean="0"/>
-              <a:t>9/6/2012</a:t>
+              <a:pPr/>
+              <a:t>9/9/2012</a:t>
             </a:fld>
             <a:endParaRPr lang="en-US"/>
           </a:p>
@@ -1391,6 +1937,7 @@
           <a:p>
             <a:fld id="{4FF4F705-C26B-4D0B-8C11-250D93BB29BB}" type="slidenum">
               <a:rPr lang="en-US" smtClean="0"/>
+              <a:pPr/>
               <a:t>‹#›</a:t>
             </a:fld>
             <a:endParaRPr lang="en-US"/>
@@ -1400,7 +1947,7 @@
     </p:spTree>
     <p:extLst>
       <p:ext uri="{BB962C8B-B14F-4D97-AF65-F5344CB8AC3E}">
-        <p14:creationId xmlns:p14="http://schemas.microsoft.com/office/powerpoint/2010/main" val="3080241169"/>
+        <p14:creationId xmlns:p14="http://schemas.microsoft.com/office/powerpoint/2010/main" xmlns="" val="3080241169"/>
       </p:ext>
     </p:extLst>
   </p:cSld>
@@ -1771,7 +2318,8 @@
           <a:p>
             <a:fld id="{227847E7-3D62-454D-9C1D-514BA12D485F}" type="datetimeFigureOut">
               <a:rPr lang="en-US" smtClean="0"/>
-              <a:t>9/6/2012</a:t>
+              <a:pPr/>
+              <a:t>9/9/2012</a:t>
             </a:fld>
             <a:endParaRPr lang="en-US"/>
           </a:p>
@@ -1813,6 +2361,7 @@
           <a:p>
             <a:fld id="{4FF4F705-C26B-4D0B-8C11-250D93BB29BB}" type="slidenum">
               <a:rPr lang="en-US" smtClean="0"/>
+              <a:pPr/>
               <a:t>‹#›</a:t>
             </a:fld>
             <a:endParaRPr lang="en-US"/>
@@ -1822,7 +2371,7 @@
     </p:spTree>
     <p:extLst>
       <p:ext uri="{BB962C8B-B14F-4D97-AF65-F5344CB8AC3E}">
-        <p14:creationId xmlns:p14="http://schemas.microsoft.com/office/powerpoint/2010/main" val="2861651695"/>
+        <p14:creationId xmlns:p14="http://schemas.microsoft.com/office/powerpoint/2010/main" xmlns="" val="2861651695"/>
       </p:ext>
     </p:extLst>
   </p:cSld>
@@ -1889,7 +2438,8 @@
           <a:p>
             <a:fld id="{227847E7-3D62-454D-9C1D-514BA12D485F}" type="datetimeFigureOut">
               <a:rPr lang="en-US" smtClean="0"/>
-              <a:t>9/6/2012</a:t>
+              <a:pPr/>
+              <a:t>9/9/2012</a:t>
             </a:fld>
             <a:endParaRPr lang="en-US"/>
           </a:p>
@@ -1931,6 +2481,7 @@
           <a:p>
             <a:fld id="{4FF4F705-C26B-4D0B-8C11-250D93BB29BB}" type="slidenum">
               <a:rPr lang="en-US" smtClean="0"/>
+              <a:pPr/>
               <a:t>‹#›</a:t>
             </a:fld>
             <a:endParaRPr lang="en-US"/>
@@ -1940,7 +2491,7 @@
     </p:spTree>
     <p:extLst>
       <p:ext uri="{BB962C8B-B14F-4D97-AF65-F5344CB8AC3E}">
-        <p14:creationId xmlns:p14="http://schemas.microsoft.com/office/powerpoint/2010/main" val="618071376"/>
+        <p14:creationId xmlns:p14="http://schemas.microsoft.com/office/powerpoint/2010/main" xmlns="" val="618071376"/>
       </p:ext>
     </p:extLst>
   </p:cSld>
@@ -1984,7 +2535,8 @@
           <a:p>
             <a:fld id="{227847E7-3D62-454D-9C1D-514BA12D485F}" type="datetimeFigureOut">
               <a:rPr lang="en-US" smtClean="0"/>
-              <a:t>9/6/2012</a:t>
+              <a:pPr/>
+              <a:t>9/9/2012</a:t>
             </a:fld>
             <a:endParaRPr lang="en-US"/>
           </a:p>
@@ -2026,6 +2578,7 @@
           <a:p>
             <a:fld id="{4FF4F705-C26B-4D0B-8C11-250D93BB29BB}" type="slidenum">
               <a:rPr lang="en-US" smtClean="0"/>
+              <a:pPr/>
               <a:t>‹#›</a:t>
             </a:fld>
             <a:endParaRPr lang="en-US"/>
@@ -2035,7 +2588,7 @@
     </p:spTree>
     <p:extLst>
       <p:ext uri="{BB962C8B-B14F-4D97-AF65-F5344CB8AC3E}">
-        <p14:creationId xmlns:p14="http://schemas.microsoft.com/office/powerpoint/2010/main" val="1820311619"/>
+        <p14:creationId xmlns:p14="http://schemas.microsoft.com/office/powerpoint/2010/main" xmlns="" val="1820311619"/>
       </p:ext>
     </p:extLst>
   </p:cSld>
@@ -2261,7 +2814,8 @@
           <a:p>
             <a:fld id="{227847E7-3D62-454D-9C1D-514BA12D485F}" type="datetimeFigureOut">
               <a:rPr lang="en-US" smtClean="0"/>
-              <a:t>9/6/2012</a:t>
+              <a:pPr/>
+              <a:t>9/9/2012</a:t>
             </a:fld>
             <a:endParaRPr lang="en-US"/>
           </a:p>
@@ -2303,6 +2857,7 @@
           <a:p>
             <a:fld id="{4FF4F705-C26B-4D0B-8C11-250D93BB29BB}" type="slidenum">
               <a:rPr lang="en-US" smtClean="0"/>
+              <a:pPr/>
               <a:t>‹#›</a:t>
             </a:fld>
             <a:endParaRPr lang="en-US"/>
@@ -2312,7 +2867,7 @@
     </p:spTree>
     <p:extLst>
       <p:ext uri="{BB962C8B-B14F-4D97-AF65-F5344CB8AC3E}">
-        <p14:creationId xmlns:p14="http://schemas.microsoft.com/office/powerpoint/2010/main" val="3640574129"/>
+        <p14:creationId xmlns:p14="http://schemas.microsoft.com/office/powerpoint/2010/main" xmlns="" val="3640574129"/>
       </p:ext>
     </p:extLst>
   </p:cSld>
@@ -2514,7 +3069,8 @@
           <a:p>
             <a:fld id="{227847E7-3D62-454D-9C1D-514BA12D485F}" type="datetimeFigureOut">
               <a:rPr lang="en-US" smtClean="0"/>
-              <a:t>9/6/2012</a:t>
+              <a:pPr/>
+              <a:t>9/9/2012</a:t>
             </a:fld>
             <a:endParaRPr lang="en-US"/>
           </a:p>
@@ -2556,6 +3112,7 @@
           <a:p>
             <a:fld id="{4FF4F705-C26B-4D0B-8C11-250D93BB29BB}" type="slidenum">
               <a:rPr lang="en-US" smtClean="0"/>
+              <a:pPr/>
               <a:t>‹#›</a:t>
             </a:fld>
             <a:endParaRPr lang="en-US"/>
@@ -2565,7 +3122,7 @@
     </p:spTree>
     <p:extLst>
       <p:ext uri="{BB962C8B-B14F-4D97-AF65-F5344CB8AC3E}">
-        <p14:creationId xmlns:p14="http://schemas.microsoft.com/office/powerpoint/2010/main" val="1385656552"/>
+        <p14:creationId xmlns:p14="http://schemas.microsoft.com/office/powerpoint/2010/main" xmlns="" val="1385656552"/>
       </p:ext>
     </p:extLst>
   </p:cSld>
@@ -2727,7 +3284,8 @@
           <a:p>
             <a:fld id="{227847E7-3D62-454D-9C1D-514BA12D485F}" type="datetimeFigureOut">
               <a:rPr lang="en-US" smtClean="0"/>
-              <a:t>9/6/2012</a:t>
+              <a:pPr/>
+              <a:t>9/9/2012</a:t>
             </a:fld>
             <a:endParaRPr lang="en-US"/>
           </a:p>
@@ -2805,6 +3363,7 @@
           <a:p>
             <a:fld id="{4FF4F705-C26B-4D0B-8C11-250D93BB29BB}" type="slidenum">
               <a:rPr lang="en-US" smtClean="0"/>
+              <a:pPr/>
               <a:t>‹#›</a:t>
             </a:fld>
             <a:endParaRPr lang="en-US"/>
@@ -2814,7 +3373,7 @@
     </p:spTree>
     <p:extLst>
       <p:ext uri="{BB962C8B-B14F-4D97-AF65-F5344CB8AC3E}">
-        <p14:creationId xmlns:p14="http://schemas.microsoft.com/office/powerpoint/2010/main" val="3495568035"/>
+        <p14:creationId xmlns:p14="http://schemas.microsoft.com/office/powerpoint/2010/main" xmlns="" val="3495568035"/>
       </p:ext>
     </p:extLst>
   </p:cSld>
@@ -3836,7 +4395,7 @@
         </p:nvSpPr>
         <p:spPr>
           <a:xfrm>
-            <a:off x="1905000" y="2209800"/>
+            <a:off x="2057400" y="2209800"/>
             <a:ext cx="228600" cy="1295400"/>
           </a:xfrm>
           <a:prstGeom prst="rect">
@@ -4311,10 +4870,116 @@
           </a:p>
         </p:txBody>
       </p:sp>
+      <p:sp>
+        <p:nvSpPr>
+          <p:cNvPr id="35" name="Rectangle 34"/>
+          <p:cNvSpPr/>
+          <p:nvPr/>
+        </p:nvSpPr>
+        <p:spPr>
+          <a:xfrm>
+            <a:off x="1905000" y="3810001"/>
+            <a:ext cx="2667000" cy="228600"/>
+          </a:xfrm>
+          <a:prstGeom prst="rect">
+            <a:avLst/>
+          </a:prstGeom>
+          <a:noFill/>
+        </p:spPr>
+        <p:style>
+          <a:lnRef idx="2">
+            <a:schemeClr val="accent1">
+              <a:shade val="50000"/>
+            </a:schemeClr>
+          </a:lnRef>
+          <a:fillRef idx="1">
+            <a:schemeClr val="accent1"/>
+          </a:fillRef>
+          <a:effectRef idx="0">
+            <a:schemeClr val="accent1"/>
+          </a:effectRef>
+          <a:fontRef idx="minor">
+            <a:schemeClr val="lt1"/>
+          </a:fontRef>
+        </p:style>
+        <p:txBody>
+          <a:bodyPr rtlCol="0" anchor="ctr"/>
+          <a:lstStyle/>
+          <a:p>
+            <a:pPr algn="ctr"/>
+            <a:r>
+              <a:rPr lang="en-US" sz="900" dirty="0" smtClean="0">
+                <a:solidFill>
+                  <a:schemeClr val="tx1"/>
+                </a:solidFill>
+              </a:rPr>
+              <a:t>Video Component Header –”Video of the Week”</a:t>
+            </a:r>
+            <a:endParaRPr lang="en-US" sz="900" dirty="0">
+              <a:solidFill>
+                <a:schemeClr val="tx1"/>
+              </a:solidFill>
+            </a:endParaRPr>
+          </a:p>
+        </p:txBody>
+      </p:sp>
+      <p:sp>
+        <p:nvSpPr>
+          <p:cNvPr id="46" name="Rectangle 45"/>
+          <p:cNvSpPr/>
+          <p:nvPr/>
+        </p:nvSpPr>
+        <p:spPr>
+          <a:xfrm>
+            <a:off x="4724400" y="3810000"/>
+            <a:ext cx="2438400" cy="228600"/>
+          </a:xfrm>
+          <a:prstGeom prst="rect">
+            <a:avLst/>
+          </a:prstGeom>
+          <a:noFill/>
+        </p:spPr>
+        <p:style>
+          <a:lnRef idx="2">
+            <a:schemeClr val="accent1">
+              <a:shade val="50000"/>
+            </a:schemeClr>
+          </a:lnRef>
+          <a:fillRef idx="1">
+            <a:schemeClr val="accent1"/>
+          </a:fillRef>
+          <a:effectRef idx="0">
+            <a:schemeClr val="accent1"/>
+          </a:effectRef>
+          <a:fontRef idx="minor">
+            <a:schemeClr val="lt1"/>
+          </a:fontRef>
+        </p:style>
+        <p:txBody>
+          <a:bodyPr rtlCol="0" anchor="ctr"/>
+          <a:lstStyle/>
+          <a:p>
+            <a:pPr algn="ctr"/>
+            <a:r>
+              <a:rPr lang="en-US" sz="800" dirty="0" smtClean="0">
+                <a:solidFill>
+                  <a:schemeClr val="tx1"/>
+                </a:solidFill>
+              </a:rPr>
+              <a:t>Topic component header –”The Week in a Glance”</a:t>
+            </a:r>
+            <a:endParaRPr lang="en-US" sz="800" dirty="0">
+              <a:solidFill>
+                <a:schemeClr val="tx1"/>
+              </a:solidFill>
+            </a:endParaRPr>
+          </a:p>
+        </p:txBody>
+      </p:sp>
     </p:spTree>
     <p:extLst>
       <p:ext uri="{BB962C8B-B14F-4D97-AF65-F5344CB8AC3E}">
-        <p14:creationId xmlns:p14="http://schemas.microsoft.com/office/powerpoint/2010/main" val="3521680818"/>
+        <p14:creationId xmlns:p14="http://schemas.microsoft.com/office/powerpoint/2010/main" xmlns="" val="3521680818"/>
       </p:ext>
     </p:extLst>
   </p:cSld>
@@ -5793,8 +6458,8 @@
         </p:nvSpPr>
         <p:spPr>
           <a:xfrm>
-            <a:off x="1948130" y="3962400"/>
-            <a:ext cx="2590800" cy="1981200"/>
+            <a:off x="1905000" y="4038600"/>
+            <a:ext cx="2667000" cy="1981200"/>
           </a:xfrm>
           <a:prstGeom prst="rect">
             <a:avLst/>
@@ -5843,8 +6508,8 @@
         </p:nvSpPr>
         <p:spPr>
           <a:xfrm>
-            <a:off x="1948130" y="6009736"/>
-            <a:ext cx="2590800" cy="152400"/>
+            <a:off x="1905000" y="6096000"/>
+            <a:ext cx="2667000" cy="152400"/>
           </a:xfrm>
           <a:prstGeom prst="rect">
             <a:avLst/>
@@ -5915,10 +6580,116 @@
           </a:p>
         </p:txBody>
       </p:sp>
+      <p:sp>
+        <p:nvSpPr>
+          <p:cNvPr id="29" name="Rectangle 28"/>
+          <p:cNvSpPr/>
+          <p:nvPr/>
+        </p:nvSpPr>
+        <p:spPr>
+          <a:xfrm>
+            <a:off x="1905000" y="3810001"/>
+            <a:ext cx="2667000" cy="228600"/>
+          </a:xfrm>
+          <a:prstGeom prst="rect">
+            <a:avLst/>
+          </a:prstGeom>
+          <a:noFill/>
+        </p:spPr>
+        <p:style>
+          <a:lnRef idx="2">
+            <a:schemeClr val="accent1">
+              <a:shade val="50000"/>
+            </a:schemeClr>
+          </a:lnRef>
+          <a:fillRef idx="1">
+            <a:schemeClr val="accent1"/>
+          </a:fillRef>
+          <a:effectRef idx="0">
+            <a:schemeClr val="accent1"/>
+          </a:effectRef>
+          <a:fontRef idx="minor">
+            <a:schemeClr val="lt1"/>
+          </a:fontRef>
+        </p:style>
+        <p:txBody>
+          <a:bodyPr rtlCol="0" anchor="ctr"/>
+          <a:lstStyle/>
+          <a:p>
+            <a:pPr algn="ctr"/>
+            <a:r>
+              <a:rPr lang="en-US" sz="900" dirty="0" smtClean="0">
+                <a:solidFill>
+                  <a:schemeClr val="tx1"/>
+                </a:solidFill>
+              </a:rPr>
+              <a:t>Video of the Week</a:t>
+            </a:r>
+            <a:endParaRPr lang="en-US" sz="900" dirty="0">
+              <a:solidFill>
+                <a:schemeClr val="tx1"/>
+              </a:solidFill>
+            </a:endParaRPr>
+          </a:p>
+        </p:txBody>
+      </p:sp>
+      <p:sp>
+        <p:nvSpPr>
+          <p:cNvPr id="37" name="Rectangle 36"/>
+          <p:cNvSpPr/>
+          <p:nvPr/>
+        </p:nvSpPr>
+        <p:spPr>
+          <a:xfrm>
+            <a:off x="4724400" y="3810000"/>
+            <a:ext cx="2514600" cy="228600"/>
+          </a:xfrm>
+          <a:prstGeom prst="rect">
+            <a:avLst/>
+          </a:prstGeom>
+          <a:noFill/>
+        </p:spPr>
+        <p:style>
+          <a:lnRef idx="2">
+            <a:schemeClr val="accent1">
+              <a:shade val="50000"/>
+            </a:schemeClr>
+          </a:lnRef>
+          <a:fillRef idx="1">
+            <a:schemeClr val="accent1"/>
+          </a:fillRef>
+          <a:effectRef idx="0">
+            <a:schemeClr val="accent1"/>
+          </a:effectRef>
+          <a:fontRef idx="minor">
+            <a:schemeClr val="lt1"/>
+          </a:fontRef>
+        </p:style>
+        <p:txBody>
+          <a:bodyPr rtlCol="0" anchor="ctr"/>
+          <a:lstStyle/>
+          <a:p>
+            <a:pPr algn="ctr"/>
+            <a:r>
+              <a:rPr lang="en-US" sz="900" dirty="0" smtClean="0">
+                <a:solidFill>
+                  <a:schemeClr val="tx1"/>
+                </a:solidFill>
+              </a:rPr>
+              <a:t>This month at a Glance:</a:t>
+            </a:r>
+            <a:endParaRPr lang="en-US" sz="900" dirty="0">
+              <a:solidFill>
+                <a:schemeClr val="tx1"/>
+              </a:solidFill>
+            </a:endParaRPr>
+          </a:p>
+        </p:txBody>
+      </p:sp>
     </p:spTree>
     <p:extLst>
       <p:ext uri="{BB962C8B-B14F-4D97-AF65-F5344CB8AC3E}">
-        <p14:creationId xmlns:p14="http://schemas.microsoft.com/office/powerpoint/2010/main" val="1028438645"/>
+        <p14:creationId xmlns:p14="http://schemas.microsoft.com/office/powerpoint/2010/main" xmlns="" val="1028438645"/>
       </p:ext>
     </p:extLst>
   </p:cSld>
@@ -6763,6 +7534,472 @@
       </p:sp>
       <p:sp>
         <p:nvSpPr>
+          <p:cNvPr id="43" name="Rectangle 42"/>
+          <p:cNvSpPr/>
+          <p:nvPr/>
+        </p:nvSpPr>
+        <p:spPr>
+          <a:xfrm>
+            <a:off x="5715000" y="990600"/>
+            <a:ext cx="1524000" cy="152400"/>
+          </a:xfrm>
+          <a:prstGeom prst="rect">
+            <a:avLst/>
+          </a:prstGeom>
+          <a:solidFill>
+            <a:schemeClr val="bg1"/>
+          </a:solidFill>
+        </p:spPr>
+        <p:style>
+          <a:lnRef idx="2">
+            <a:schemeClr val="accent1">
+              <a:shade val="50000"/>
+            </a:schemeClr>
+          </a:lnRef>
+          <a:fillRef idx="1">
+            <a:schemeClr val="accent1"/>
+          </a:fillRef>
+          <a:effectRef idx="0">
+            <a:schemeClr val="accent1"/>
+          </a:effectRef>
+          <a:fontRef idx="minor">
+            <a:schemeClr val="lt1"/>
+          </a:fontRef>
+        </p:style>
+        <p:txBody>
+          <a:bodyPr rtlCol="0" anchor="ctr"/>
+          <a:lstStyle/>
+          <a:p>
+            <a:pPr algn="ctr"/>
+            <a:endParaRPr lang="en-US" dirty="0"/>
+          </a:p>
+        </p:txBody>
+      </p:sp>
+      <p:sp>
+        <p:nvSpPr>
+          <p:cNvPr id="8" name="Rectangle 7"/>
+          <p:cNvSpPr/>
+          <p:nvPr/>
+        </p:nvSpPr>
+        <p:spPr>
+          <a:xfrm>
+            <a:off x="2724150" y="3505200"/>
+            <a:ext cx="3695700" cy="457200"/>
+          </a:xfrm>
+          <a:prstGeom prst="rect">
+            <a:avLst/>
+          </a:prstGeom>
+          <a:solidFill>
+            <a:schemeClr val="bg2"/>
+          </a:solidFill>
+        </p:spPr>
+        <p:style>
+          <a:lnRef idx="2">
+            <a:schemeClr val="accent1">
+              <a:shade val="50000"/>
+            </a:schemeClr>
+          </a:lnRef>
+          <a:fillRef idx="1">
+            <a:schemeClr val="accent1"/>
+          </a:fillRef>
+          <a:effectRef idx="0">
+            <a:schemeClr val="accent1"/>
+          </a:effectRef>
+          <a:fontRef idx="minor">
+            <a:schemeClr val="lt1"/>
+          </a:fontRef>
+        </p:style>
+        <p:txBody>
+          <a:bodyPr rtlCol="0" anchor="ctr"/>
+          <a:lstStyle/>
+          <a:p>
+            <a:pPr algn="ctr"/>
+            <a:r>
+              <a:rPr lang="en-US" sz="1100" dirty="0" smtClean="0">
+                <a:solidFill>
+                  <a:schemeClr val="tx1"/>
+                </a:solidFill>
+              </a:rPr>
+              <a:t>[Collapsible Comments]</a:t>
+            </a:r>
+            <a:endParaRPr lang="en-US" sz="1100" dirty="0">
+              <a:solidFill>
+                <a:schemeClr val="tx1"/>
+              </a:solidFill>
+            </a:endParaRPr>
+          </a:p>
+        </p:txBody>
+      </p:sp>
+      <p:sp>
+        <p:nvSpPr>
+          <p:cNvPr id="44" name="TextBox 43"/>
+          <p:cNvSpPr txBox="1"/>
+          <p:nvPr/>
+        </p:nvSpPr>
+        <p:spPr>
+          <a:xfrm>
+            <a:off x="3048000" y="4126468"/>
+            <a:ext cx="2971800" cy="369332"/>
+          </a:xfrm>
+          <a:prstGeom prst="rect">
+            <a:avLst/>
+          </a:prstGeom>
+          <a:noFill/>
+        </p:spPr>
+        <p:txBody>
+          <a:bodyPr wrap="square" rtlCol="0">
+            <a:spAutoFit/>
+          </a:bodyPr>
+          <a:lstStyle/>
+          <a:p>
+            <a:pPr algn="ctr"/>
+            <a:r>
+              <a:rPr lang="en-US" dirty="0" smtClean="0">
+                <a:latin typeface="Georgia" pitchFamily="18" charset="0"/>
+              </a:rPr>
+              <a:t>Blog Post Title</a:t>
+            </a:r>
+            <a:endParaRPr lang="en-US" dirty="0">
+              <a:latin typeface="Georgia" pitchFamily="18" charset="0"/>
+            </a:endParaRPr>
+          </a:p>
+        </p:txBody>
+      </p:sp>
+      <p:sp>
+        <p:nvSpPr>
+          <p:cNvPr id="45" name="Rectangle 44"/>
+          <p:cNvSpPr/>
+          <p:nvPr/>
+        </p:nvSpPr>
+        <p:spPr>
+          <a:xfrm>
+            <a:off x="1828800" y="4114800"/>
+            <a:ext cx="5486400" cy="2362200"/>
+          </a:xfrm>
+          <a:prstGeom prst="rect">
+            <a:avLst/>
+          </a:prstGeom>
+          <a:noFill/>
+        </p:spPr>
+        <p:style>
+          <a:lnRef idx="2">
+            <a:schemeClr val="accent1">
+              <a:shade val="50000"/>
+            </a:schemeClr>
+          </a:lnRef>
+          <a:fillRef idx="1">
+            <a:schemeClr val="accent1"/>
+          </a:fillRef>
+          <a:effectRef idx="0">
+            <a:schemeClr val="accent1"/>
+          </a:effectRef>
+          <a:fontRef idx="minor">
+            <a:schemeClr val="lt1"/>
+          </a:fontRef>
+        </p:style>
+        <p:txBody>
+          <a:bodyPr rtlCol="0" anchor="ctr"/>
+          <a:lstStyle/>
+          <a:p>
+            <a:pPr algn="ctr"/>
+            <a:r>
+              <a:rPr lang="en-US" sz="1200" dirty="0" smtClean="0">
+                <a:solidFill>
+                  <a:schemeClr val="tx1"/>
+                </a:solidFill>
+                <a:latin typeface="Verdana" pitchFamily="34" charset="0"/>
+                <a:ea typeface="Verdana" pitchFamily="34" charset="0"/>
+                <a:cs typeface="Verdana" pitchFamily="34" charset="0"/>
+              </a:rPr>
+              <a:t>Second most recent blog post</a:t>
+            </a:r>
+            <a:endParaRPr lang="en-US" sz="1200" dirty="0">
+              <a:solidFill>
+                <a:schemeClr val="tx1"/>
+              </a:solidFill>
+              <a:latin typeface="Verdana" pitchFamily="34" charset="0"/>
+              <a:ea typeface="Verdana" pitchFamily="34" charset="0"/>
+              <a:cs typeface="Verdana" pitchFamily="34" charset="0"/>
+            </a:endParaRPr>
+          </a:p>
+        </p:txBody>
+      </p:sp>
+      <p:sp>
+        <p:nvSpPr>
+          <p:cNvPr id="46" name="Rectangle 45"/>
+          <p:cNvSpPr/>
+          <p:nvPr/>
+        </p:nvSpPr>
+        <p:spPr>
+          <a:xfrm>
+            <a:off x="6362700" y="4202411"/>
+            <a:ext cx="711248" cy="598189"/>
+          </a:xfrm>
+          <a:prstGeom prst="rect">
+            <a:avLst/>
+          </a:prstGeom>
+        </p:spPr>
+        <p:style>
+          <a:lnRef idx="2">
+            <a:schemeClr val="accent1">
+              <a:shade val="50000"/>
+            </a:schemeClr>
+          </a:lnRef>
+          <a:fillRef idx="1">
+            <a:schemeClr val="accent1"/>
+          </a:fillRef>
+          <a:effectRef idx="0">
+            <a:schemeClr val="accent1"/>
+          </a:effectRef>
+          <a:fontRef idx="minor">
+            <a:schemeClr val="lt1"/>
+          </a:fontRef>
+        </p:style>
+        <p:txBody>
+          <a:bodyPr rtlCol="0" anchor="ctr"/>
+          <a:lstStyle/>
+          <a:p>
+            <a:pPr algn="ctr"/>
+            <a:r>
+              <a:rPr lang="en-US" sz="1200" dirty="0" smtClean="0"/>
+              <a:t>Picture</a:t>
+            </a:r>
+            <a:endParaRPr lang="en-US" sz="1200" dirty="0"/>
+          </a:p>
+        </p:txBody>
+      </p:sp>
+      <p:sp>
+        <p:nvSpPr>
+          <p:cNvPr id="47" name="Rectangle 46"/>
+          <p:cNvSpPr/>
+          <p:nvPr/>
+        </p:nvSpPr>
+        <p:spPr>
+          <a:xfrm>
+            <a:off x="1905000" y="4876800"/>
+            <a:ext cx="228600" cy="1295400"/>
+          </a:xfrm>
+          <a:prstGeom prst="rect">
+            <a:avLst/>
+          </a:prstGeom>
+        </p:spPr>
+        <p:style>
+          <a:lnRef idx="2">
+            <a:schemeClr val="accent1">
+              <a:shade val="50000"/>
+            </a:schemeClr>
+          </a:lnRef>
+          <a:fillRef idx="1">
+            <a:schemeClr val="accent1"/>
+          </a:fillRef>
+          <a:effectRef idx="0">
+            <a:schemeClr val="accent1"/>
+          </a:effectRef>
+          <a:fontRef idx="minor">
+            <a:schemeClr val="lt1"/>
+          </a:fontRef>
+        </p:style>
+        <p:txBody>
+          <a:bodyPr rtlCol="0" anchor="ctr"/>
+          <a:lstStyle/>
+          <a:p>
+            <a:pPr algn="ctr"/>
+            <a:r>
+              <a:rPr lang="en-US" sz="700" dirty="0" smtClean="0"/>
+              <a:t>Social Media</a:t>
+            </a:r>
+            <a:endParaRPr lang="en-US" sz="700" dirty="0"/>
+          </a:p>
+        </p:txBody>
+      </p:sp>
+      <p:sp>
+        <p:nvSpPr>
+          <p:cNvPr id="48" name="TextBox 47"/>
+          <p:cNvSpPr txBox="1"/>
+          <p:nvPr/>
+        </p:nvSpPr>
+        <p:spPr>
+          <a:xfrm>
+            <a:off x="6235748" y="4828401"/>
+            <a:ext cx="1003252" cy="276999"/>
+          </a:xfrm>
+          <a:prstGeom prst="rect">
+            <a:avLst/>
+          </a:prstGeom>
+          <a:noFill/>
+        </p:spPr>
+        <p:txBody>
+          <a:bodyPr wrap="square" rtlCol="0">
+            <a:spAutoFit/>
+          </a:bodyPr>
+          <a:lstStyle/>
+          <a:p>
+            <a:pPr algn="ctr"/>
+            <a:r>
+              <a:rPr lang="en-US" sz="1200" dirty="0" smtClean="0"/>
+              <a:t>[Author]</a:t>
+            </a:r>
+            <a:endParaRPr lang="en-US" sz="1200" dirty="0"/>
+          </a:p>
+        </p:txBody>
+      </p:sp>
+      <p:sp>
+        <p:nvSpPr>
+          <p:cNvPr id="49" name="Rectangle 48"/>
+          <p:cNvSpPr/>
+          <p:nvPr/>
+        </p:nvSpPr>
+        <p:spPr>
+          <a:xfrm>
+            <a:off x="2724150" y="5943600"/>
+            <a:ext cx="3695700" cy="457200"/>
+          </a:xfrm>
+          <a:prstGeom prst="rect">
+            <a:avLst/>
+          </a:prstGeom>
+          <a:solidFill>
+            <a:schemeClr val="bg2"/>
+          </a:solidFill>
+        </p:spPr>
+        <p:style>
+          <a:lnRef idx="2">
+            <a:schemeClr val="accent1">
+              <a:shade val="50000"/>
+            </a:schemeClr>
+          </a:lnRef>
+          <a:fillRef idx="1">
+            <a:schemeClr val="accent1"/>
+          </a:fillRef>
+          <a:effectRef idx="0">
+            <a:schemeClr val="accent1"/>
+          </a:effectRef>
+          <a:fontRef idx="minor">
+            <a:schemeClr val="lt1"/>
+          </a:fontRef>
+        </p:style>
+        <p:txBody>
+          <a:bodyPr rtlCol="0" anchor="ctr"/>
+          <a:lstStyle/>
+          <a:p>
+            <a:pPr algn="ctr"/>
+            <a:r>
+              <a:rPr lang="en-US" sz="1100" dirty="0" smtClean="0">
+                <a:solidFill>
+                  <a:schemeClr val="tx1"/>
+                </a:solidFill>
+              </a:rPr>
+              <a:t>[Collapsible Comments]</a:t>
+            </a:r>
+            <a:endParaRPr lang="en-US" sz="1100" dirty="0">
+              <a:solidFill>
+                <a:schemeClr val="tx1"/>
+              </a:solidFill>
+            </a:endParaRPr>
+          </a:p>
+        </p:txBody>
+      </p:sp>
+      <p:sp>
+        <p:nvSpPr>
+          <p:cNvPr id="9" name="Rectangle 8"/>
+          <p:cNvSpPr/>
+          <p:nvPr/>
+        </p:nvSpPr>
+        <p:spPr>
+          <a:xfrm>
+            <a:off x="1828800" y="1257300"/>
+            <a:ext cx="5486400" cy="419100"/>
+          </a:xfrm>
+          <a:prstGeom prst="rect">
+            <a:avLst/>
+          </a:prstGeom>
+        </p:spPr>
+        <p:style>
+          <a:lnRef idx="2">
+            <a:schemeClr val="accent1">
+              <a:shade val="50000"/>
+            </a:schemeClr>
+          </a:lnRef>
+          <a:fillRef idx="1">
+            <a:schemeClr val="accent1"/>
+          </a:fillRef>
+          <a:effectRef idx="0">
+            <a:schemeClr val="accent1"/>
+          </a:effectRef>
+          <a:fontRef idx="minor">
+            <a:schemeClr val="lt1"/>
+          </a:fontRef>
+        </p:style>
+        <p:txBody>
+          <a:bodyPr rtlCol="0" anchor="ctr"/>
+          <a:lstStyle/>
+          <a:p>
+            <a:pPr algn="ctr"/>
+            <a:r>
+              <a:rPr lang="en-US" sz="1200" dirty="0" smtClean="0"/>
+              <a:t>[Filter Bar – Date, Author, </a:t>
+            </a:r>
+            <a:r>
+              <a:rPr lang="en-US" sz="1200" dirty="0" err="1" smtClean="0"/>
+              <a:t>HashTag</a:t>
+            </a:r>
+            <a:r>
+              <a:rPr lang="en-US" sz="1200" dirty="0" smtClean="0"/>
+              <a:t>, Most Shared/Commented/Liked]</a:t>
+            </a:r>
+            <a:endParaRPr lang="en-US" sz="1200" dirty="0"/>
+          </a:p>
+        </p:txBody>
+      </p:sp>
+      <p:sp>
+        <p:nvSpPr>
+          <p:cNvPr id="31" name="Rectangle 30"/>
+          <p:cNvSpPr/>
+          <p:nvPr/>
+        </p:nvSpPr>
+        <p:spPr>
+          <a:xfrm>
+            <a:off x="2590800" y="838201"/>
+            <a:ext cx="838200" cy="457199"/>
+          </a:xfrm>
+          <a:prstGeom prst="rect">
+            <a:avLst/>
+          </a:prstGeom>
+          <a:solidFill>
+            <a:schemeClr val="accent6"/>
+          </a:solidFill>
+          <a:ln>
+            <a:solidFill>
+              <a:schemeClr val="accent6"/>
+            </a:solidFill>
+          </a:ln>
+        </p:spPr>
+        <p:style>
+          <a:lnRef idx="2">
+            <a:schemeClr val="accent1">
+              <a:shade val="50000"/>
+            </a:schemeClr>
+          </a:lnRef>
+          <a:fillRef idx="1">
+            <a:schemeClr val="accent1"/>
+          </a:fillRef>
+          <a:effectRef idx="0">
+            <a:schemeClr val="accent1"/>
+          </a:effectRef>
+          <a:fontRef idx="minor">
+            <a:schemeClr val="lt1"/>
+          </a:fontRef>
+        </p:style>
+        <p:txBody>
+          <a:bodyPr rtlCol="0" anchor="ctr"/>
+          <a:lstStyle/>
+          <a:p>
+            <a:pPr algn="ctr"/>
+            <a:endParaRPr lang="en-US" sz="1200" dirty="0"/>
+          </a:p>
+        </p:txBody>
+      </p:sp>
+      <p:sp>
+        <p:nvSpPr>
           <p:cNvPr id="42" name="TextBox 41"/>
           <p:cNvSpPr txBox="1"/>
           <p:nvPr/>
@@ -6806,428 +8043,10 @@
           </a:p>
         </p:txBody>
       </p:sp>
-      <p:sp>
-        <p:nvSpPr>
-          <p:cNvPr id="43" name="Rectangle 42"/>
-          <p:cNvSpPr/>
-          <p:nvPr/>
-        </p:nvSpPr>
-        <p:spPr>
-          <a:xfrm>
-            <a:off x="5715000" y="990600"/>
-            <a:ext cx="1524000" cy="152400"/>
-          </a:xfrm>
-          <a:prstGeom prst="rect">
-            <a:avLst/>
-          </a:prstGeom>
-          <a:solidFill>
-            <a:schemeClr val="bg1"/>
-          </a:solidFill>
-        </p:spPr>
-        <p:style>
-          <a:lnRef idx="2">
-            <a:schemeClr val="accent1">
-              <a:shade val="50000"/>
-            </a:schemeClr>
-          </a:lnRef>
-          <a:fillRef idx="1">
-            <a:schemeClr val="accent1"/>
-          </a:fillRef>
-          <a:effectRef idx="0">
-            <a:schemeClr val="accent1"/>
-          </a:effectRef>
-          <a:fontRef idx="minor">
-            <a:schemeClr val="lt1"/>
-          </a:fontRef>
-        </p:style>
-        <p:txBody>
-          <a:bodyPr rtlCol="0" anchor="ctr"/>
-          <a:lstStyle/>
-          <a:p>
-            <a:pPr algn="ctr"/>
-            <a:endParaRPr lang="en-US" dirty="0"/>
-          </a:p>
-        </p:txBody>
-      </p:sp>
-      <p:sp>
-        <p:nvSpPr>
-          <p:cNvPr id="8" name="Rectangle 7"/>
-          <p:cNvSpPr/>
-          <p:nvPr/>
-        </p:nvSpPr>
-        <p:spPr>
-          <a:xfrm>
-            <a:off x="2724150" y="3505200"/>
-            <a:ext cx="3695700" cy="457200"/>
-          </a:xfrm>
-          <a:prstGeom prst="rect">
-            <a:avLst/>
-          </a:prstGeom>
-          <a:solidFill>
-            <a:schemeClr val="bg2"/>
-          </a:solidFill>
-        </p:spPr>
-        <p:style>
-          <a:lnRef idx="2">
-            <a:schemeClr val="accent1">
-              <a:shade val="50000"/>
-            </a:schemeClr>
-          </a:lnRef>
-          <a:fillRef idx="1">
-            <a:schemeClr val="accent1"/>
-          </a:fillRef>
-          <a:effectRef idx="0">
-            <a:schemeClr val="accent1"/>
-          </a:effectRef>
-          <a:fontRef idx="minor">
-            <a:schemeClr val="lt1"/>
-          </a:fontRef>
-        </p:style>
-        <p:txBody>
-          <a:bodyPr rtlCol="0" anchor="ctr"/>
-          <a:lstStyle/>
-          <a:p>
-            <a:pPr algn="ctr"/>
-            <a:r>
-              <a:rPr lang="en-US" sz="1100" dirty="0" smtClean="0">
-                <a:solidFill>
-                  <a:schemeClr val="tx1"/>
-                </a:solidFill>
-              </a:rPr>
-              <a:t>[Collapsible Comments]</a:t>
-            </a:r>
-            <a:endParaRPr lang="en-US" sz="1100" dirty="0">
-              <a:solidFill>
-                <a:schemeClr val="tx1"/>
-              </a:solidFill>
-            </a:endParaRPr>
-          </a:p>
-        </p:txBody>
-      </p:sp>
-      <p:sp>
-        <p:nvSpPr>
-          <p:cNvPr id="44" name="TextBox 43"/>
-          <p:cNvSpPr txBox="1"/>
-          <p:nvPr/>
-        </p:nvSpPr>
-        <p:spPr>
-          <a:xfrm>
-            <a:off x="3048000" y="4126468"/>
-            <a:ext cx="2971800" cy="369332"/>
-          </a:xfrm>
-          <a:prstGeom prst="rect">
-            <a:avLst/>
-          </a:prstGeom>
-          <a:noFill/>
-        </p:spPr>
-        <p:txBody>
-          <a:bodyPr wrap="square" rtlCol="0">
-            <a:spAutoFit/>
-          </a:bodyPr>
-          <a:lstStyle/>
-          <a:p>
-            <a:pPr algn="ctr"/>
-            <a:r>
-              <a:rPr lang="en-US" dirty="0" smtClean="0">
-                <a:latin typeface="Georgia" pitchFamily="18" charset="0"/>
-              </a:rPr>
-              <a:t>Blog Post Title</a:t>
-            </a:r>
-            <a:endParaRPr lang="en-US" dirty="0">
-              <a:latin typeface="Georgia" pitchFamily="18" charset="0"/>
-            </a:endParaRPr>
-          </a:p>
-        </p:txBody>
-      </p:sp>
-      <p:sp>
-        <p:nvSpPr>
-          <p:cNvPr id="45" name="Rectangle 44"/>
-          <p:cNvSpPr/>
-          <p:nvPr/>
-        </p:nvSpPr>
-        <p:spPr>
-          <a:xfrm>
-            <a:off x="1828800" y="4114800"/>
-            <a:ext cx="5486400" cy="2362200"/>
-          </a:xfrm>
-          <a:prstGeom prst="rect">
-            <a:avLst/>
-          </a:prstGeom>
-          <a:noFill/>
-        </p:spPr>
-        <p:style>
-          <a:lnRef idx="2">
-            <a:schemeClr val="accent1">
-              <a:shade val="50000"/>
-            </a:schemeClr>
-          </a:lnRef>
-          <a:fillRef idx="1">
-            <a:schemeClr val="accent1"/>
-          </a:fillRef>
-          <a:effectRef idx="0">
-            <a:schemeClr val="accent1"/>
-          </a:effectRef>
-          <a:fontRef idx="minor">
-            <a:schemeClr val="lt1"/>
-          </a:fontRef>
-        </p:style>
-        <p:txBody>
-          <a:bodyPr rtlCol="0" anchor="ctr"/>
-          <a:lstStyle/>
-          <a:p>
-            <a:pPr algn="ctr"/>
-            <a:r>
-              <a:rPr lang="en-US" sz="1200" dirty="0" smtClean="0">
-                <a:solidFill>
-                  <a:schemeClr val="tx1"/>
-                </a:solidFill>
-                <a:latin typeface="Verdana" pitchFamily="34" charset="0"/>
-                <a:ea typeface="Verdana" pitchFamily="34" charset="0"/>
-                <a:cs typeface="Verdana" pitchFamily="34" charset="0"/>
-              </a:rPr>
-              <a:t>Second most recent blog post</a:t>
-            </a:r>
-            <a:endParaRPr lang="en-US" sz="1200" dirty="0">
-              <a:solidFill>
-                <a:schemeClr val="tx1"/>
-              </a:solidFill>
-              <a:latin typeface="Verdana" pitchFamily="34" charset="0"/>
-              <a:ea typeface="Verdana" pitchFamily="34" charset="0"/>
-              <a:cs typeface="Verdana" pitchFamily="34" charset="0"/>
-            </a:endParaRPr>
-          </a:p>
-        </p:txBody>
-      </p:sp>
-      <p:sp>
-        <p:nvSpPr>
-          <p:cNvPr id="46" name="Rectangle 45"/>
-          <p:cNvSpPr/>
-          <p:nvPr/>
-        </p:nvSpPr>
-        <p:spPr>
-          <a:xfrm>
-            <a:off x="6362700" y="4202411"/>
-            <a:ext cx="711248" cy="598189"/>
-          </a:xfrm>
-          <a:prstGeom prst="rect">
-            <a:avLst/>
-          </a:prstGeom>
-        </p:spPr>
-        <p:style>
-          <a:lnRef idx="2">
-            <a:schemeClr val="accent1">
-              <a:shade val="50000"/>
-            </a:schemeClr>
-          </a:lnRef>
-          <a:fillRef idx="1">
-            <a:schemeClr val="accent1"/>
-          </a:fillRef>
-          <a:effectRef idx="0">
-            <a:schemeClr val="accent1"/>
-          </a:effectRef>
-          <a:fontRef idx="minor">
-            <a:schemeClr val="lt1"/>
-          </a:fontRef>
-        </p:style>
-        <p:txBody>
-          <a:bodyPr rtlCol="0" anchor="ctr"/>
-          <a:lstStyle/>
-          <a:p>
-            <a:pPr algn="ctr"/>
-            <a:r>
-              <a:rPr lang="en-US" sz="1200" dirty="0" smtClean="0"/>
-              <a:t>Picture</a:t>
-            </a:r>
-            <a:endParaRPr lang="en-US" sz="1200" dirty="0"/>
-          </a:p>
-        </p:txBody>
-      </p:sp>
-      <p:sp>
-        <p:nvSpPr>
-          <p:cNvPr id="47" name="Rectangle 46"/>
-          <p:cNvSpPr/>
-          <p:nvPr/>
-        </p:nvSpPr>
-        <p:spPr>
-          <a:xfrm>
-            <a:off x="1905000" y="4876800"/>
-            <a:ext cx="228600" cy="1295400"/>
-          </a:xfrm>
-          <a:prstGeom prst="rect">
-            <a:avLst/>
-          </a:prstGeom>
-        </p:spPr>
-        <p:style>
-          <a:lnRef idx="2">
-            <a:schemeClr val="accent1">
-              <a:shade val="50000"/>
-            </a:schemeClr>
-          </a:lnRef>
-          <a:fillRef idx="1">
-            <a:schemeClr val="accent1"/>
-          </a:fillRef>
-          <a:effectRef idx="0">
-            <a:schemeClr val="accent1"/>
-          </a:effectRef>
-          <a:fontRef idx="minor">
-            <a:schemeClr val="lt1"/>
-          </a:fontRef>
-        </p:style>
-        <p:txBody>
-          <a:bodyPr rtlCol="0" anchor="ctr"/>
-          <a:lstStyle/>
-          <a:p>
-            <a:pPr algn="ctr"/>
-            <a:r>
-              <a:rPr lang="en-US" sz="700" dirty="0" smtClean="0"/>
-              <a:t>Social Media</a:t>
-            </a:r>
-            <a:endParaRPr lang="en-US" sz="700" dirty="0"/>
-          </a:p>
-        </p:txBody>
-      </p:sp>
-      <p:sp>
-        <p:nvSpPr>
-          <p:cNvPr id="48" name="TextBox 47"/>
-          <p:cNvSpPr txBox="1"/>
-          <p:nvPr/>
-        </p:nvSpPr>
-        <p:spPr>
-          <a:xfrm>
-            <a:off x="6235748" y="4828401"/>
-            <a:ext cx="1003252" cy="276999"/>
-          </a:xfrm>
-          <a:prstGeom prst="rect">
-            <a:avLst/>
-          </a:prstGeom>
-          <a:noFill/>
-        </p:spPr>
-        <p:txBody>
-          <a:bodyPr wrap="square" rtlCol="0">
-            <a:spAutoFit/>
-          </a:bodyPr>
-          <a:lstStyle/>
-          <a:p>
-            <a:pPr algn="ctr"/>
-            <a:r>
-              <a:rPr lang="en-US" sz="1200" dirty="0" smtClean="0"/>
-              <a:t>[Author]</a:t>
-            </a:r>
-            <a:endParaRPr lang="en-US" sz="1200" dirty="0"/>
-          </a:p>
-        </p:txBody>
-      </p:sp>
-      <p:sp>
-        <p:nvSpPr>
-          <p:cNvPr id="49" name="Rectangle 48"/>
-          <p:cNvSpPr/>
-          <p:nvPr/>
-        </p:nvSpPr>
-        <p:spPr>
-          <a:xfrm>
-            <a:off x="2724150" y="5943600"/>
-            <a:ext cx="3695700" cy="457200"/>
-          </a:xfrm>
-          <a:prstGeom prst="rect">
-            <a:avLst/>
-          </a:prstGeom>
-          <a:solidFill>
-            <a:schemeClr val="bg2"/>
-          </a:solidFill>
-        </p:spPr>
-        <p:style>
-          <a:lnRef idx="2">
-            <a:schemeClr val="accent1">
-              <a:shade val="50000"/>
-            </a:schemeClr>
-          </a:lnRef>
-          <a:fillRef idx="1">
-            <a:schemeClr val="accent1"/>
-          </a:fillRef>
-          <a:effectRef idx="0">
-            <a:schemeClr val="accent1"/>
-          </a:effectRef>
-          <a:fontRef idx="minor">
-            <a:schemeClr val="lt1"/>
-          </a:fontRef>
-        </p:style>
-        <p:txBody>
-          <a:bodyPr rtlCol="0" anchor="ctr"/>
-          <a:lstStyle/>
-          <a:p>
-            <a:pPr algn="ctr"/>
-            <a:r>
-              <a:rPr lang="en-US" sz="1100" dirty="0" smtClean="0">
-                <a:solidFill>
-                  <a:schemeClr val="tx1"/>
-                </a:solidFill>
-              </a:rPr>
-              <a:t>[Collapsible Comments]</a:t>
-            </a:r>
-            <a:endParaRPr lang="en-US" sz="1100" dirty="0">
-              <a:solidFill>
-                <a:schemeClr val="tx1"/>
-              </a:solidFill>
-            </a:endParaRPr>
-          </a:p>
-        </p:txBody>
-      </p:sp>
-      <p:sp>
-        <p:nvSpPr>
-          <p:cNvPr id="9" name="Rectangle 8"/>
-          <p:cNvSpPr/>
-          <p:nvPr/>
-        </p:nvSpPr>
-        <p:spPr>
-          <a:xfrm>
-            <a:off x="1828800" y="1257300"/>
-            <a:ext cx="5486400" cy="419100"/>
-          </a:xfrm>
-          <a:prstGeom prst="rect">
-            <a:avLst/>
-          </a:prstGeom>
-        </p:spPr>
-        <p:style>
-          <a:lnRef idx="2">
-            <a:schemeClr val="accent1">
-              <a:shade val="50000"/>
-            </a:schemeClr>
-          </a:lnRef>
-          <a:fillRef idx="1">
-            <a:schemeClr val="accent1"/>
-          </a:fillRef>
-          <a:effectRef idx="0">
-            <a:schemeClr val="accent1"/>
-          </a:effectRef>
-          <a:fontRef idx="minor">
-            <a:schemeClr val="lt1"/>
-          </a:fontRef>
-        </p:style>
-        <p:txBody>
-          <a:bodyPr rtlCol="0" anchor="ctr"/>
-          <a:lstStyle/>
-          <a:p>
-            <a:pPr algn="ctr"/>
-            <a:r>
-              <a:rPr lang="en-US" sz="1200" dirty="0" smtClean="0"/>
-              <a:t>[Filter Bar – Date, Author, </a:t>
-            </a:r>
-            <a:r>
-              <a:rPr lang="en-US" sz="1200" dirty="0" err="1" smtClean="0"/>
-              <a:t>HashTag</a:t>
-            </a:r>
-            <a:r>
-              <a:rPr lang="en-US" sz="1200" dirty="0" smtClean="0"/>
-              <a:t>, Most Shared/Commented/Liked]</a:t>
-            </a:r>
-            <a:endParaRPr lang="en-US" sz="1200" dirty="0"/>
-          </a:p>
-        </p:txBody>
-      </p:sp>
     </p:spTree>
     <p:extLst>
       <p:ext uri="{BB962C8B-B14F-4D97-AF65-F5344CB8AC3E}">
-        <p14:creationId xmlns:p14="http://schemas.microsoft.com/office/powerpoint/2010/main" val="1363612566"/>
+        <p14:creationId xmlns:p14="http://schemas.microsoft.com/office/powerpoint/2010/main" xmlns="" val="1363612566"/>
       </p:ext>
     </p:extLst>
   </p:cSld>
@@ -7270,13 +8089,15 @@
           </a:prstGeom>
           <a:solidFill>
             <a:schemeClr val="tx2">
-              <a:lumMod val="75000"/>
+              <a:lumMod val="60000"/>
+              <a:lumOff val="40000"/>
             </a:schemeClr>
           </a:solidFill>
           <a:ln>
             <a:solidFill>
               <a:schemeClr val="tx2">
-                <a:lumMod val="75000"/>
+                <a:lumMod val="60000"/>
+                <a:lumOff val="40000"/>
               </a:schemeClr>
             </a:solidFill>
           </a:ln>
@@ -7302,7 +8123,7 @@
           <a:lstStyle/>
           <a:p>
             <a:pPr algn="ctr"/>
-            <a:endParaRPr lang="en-US"/>
+            <a:endParaRPr lang="en-US" sz="1200"/>
           </a:p>
         </p:txBody>
       </p:sp>
@@ -7322,13 +8143,15 @@
           </a:prstGeom>
           <a:solidFill>
             <a:schemeClr val="tx2">
-              <a:lumMod val="75000"/>
+              <a:lumMod val="60000"/>
+              <a:lumOff val="40000"/>
             </a:schemeClr>
           </a:solidFill>
           <a:ln>
             <a:solidFill>
               <a:schemeClr val="tx2">
-                <a:lumMod val="75000"/>
+                <a:lumMod val="60000"/>
+                <a:lumOff val="40000"/>
               </a:schemeClr>
             </a:solidFill>
           </a:ln>
@@ -7354,20 +8177,234 @@
           <a:lstStyle/>
           <a:p>
             <a:pPr algn="ctr"/>
-            <a:endParaRPr lang="en-US"/>
-          </a:p>
-        </p:txBody>
-      </p:sp>
-      <p:sp>
-        <p:nvSpPr>
-          <p:cNvPr id="2" name="TextBox 1"/>
+            <a:endParaRPr lang="en-US" sz="1200"/>
+          </a:p>
+        </p:txBody>
+      </p:sp>
+      <p:sp>
+        <p:nvSpPr>
+          <p:cNvPr id="23" name="Rectangle 22"/>
+          <p:cNvSpPr/>
+          <p:nvPr/>
+        </p:nvSpPr>
+        <p:spPr>
+          <a:xfrm>
+            <a:off x="1828800" y="0"/>
+            <a:ext cx="5486400" cy="838200"/>
+          </a:xfrm>
+          <a:prstGeom prst="rect">
+            <a:avLst/>
+          </a:prstGeom>
+          <a:solidFill>
+            <a:schemeClr val="accent1">
+              <a:lumMod val="40000"/>
+              <a:lumOff val="60000"/>
+            </a:schemeClr>
+          </a:solidFill>
+          <a:ln>
+            <a:solidFill>
+              <a:schemeClr val="accent1">
+                <a:lumMod val="40000"/>
+                <a:lumOff val="60000"/>
+              </a:schemeClr>
+            </a:solidFill>
+          </a:ln>
+        </p:spPr>
+        <p:style>
+          <a:lnRef idx="2">
+            <a:schemeClr val="accent1">
+              <a:shade val="50000"/>
+            </a:schemeClr>
+          </a:lnRef>
+          <a:fillRef idx="1">
+            <a:schemeClr val="accent1"/>
+          </a:fillRef>
+          <a:effectRef idx="0">
+            <a:schemeClr val="accent1"/>
+          </a:effectRef>
+          <a:fontRef idx="minor">
+            <a:schemeClr val="lt1"/>
+          </a:fontRef>
+        </p:style>
+        <p:txBody>
+          <a:bodyPr rtlCol="0" anchor="ctr"/>
+          <a:lstStyle/>
+          <a:p>
+            <a:pPr algn="ctr"/>
+            <a:endParaRPr lang="en-US" sz="1200"/>
+          </a:p>
+        </p:txBody>
+      </p:sp>
+      <p:sp>
+        <p:nvSpPr>
+          <p:cNvPr id="25" name="Rectangle 24"/>
+          <p:cNvSpPr/>
+          <p:nvPr/>
+        </p:nvSpPr>
+        <p:spPr>
+          <a:xfrm>
+            <a:off x="1828800" y="6476999"/>
+            <a:ext cx="5486400" cy="364825"/>
+          </a:xfrm>
+          <a:prstGeom prst="rect">
+            <a:avLst/>
+          </a:prstGeom>
+          <a:solidFill>
+            <a:schemeClr val="tx2"/>
+          </a:solidFill>
+          <a:ln>
+            <a:solidFill>
+              <a:schemeClr val="tx2"/>
+            </a:solidFill>
+          </a:ln>
+        </p:spPr>
+        <p:style>
+          <a:lnRef idx="2">
+            <a:schemeClr val="accent1">
+              <a:shade val="50000"/>
+            </a:schemeClr>
+          </a:lnRef>
+          <a:fillRef idx="1">
+            <a:schemeClr val="accent1"/>
+          </a:fillRef>
+          <a:effectRef idx="0">
+            <a:schemeClr val="accent1"/>
+          </a:effectRef>
+          <a:fontRef idx="minor">
+            <a:schemeClr val="lt1"/>
+          </a:fontRef>
+        </p:style>
+        <p:txBody>
+          <a:bodyPr rtlCol="0" anchor="ctr"/>
+          <a:lstStyle/>
+          <a:p>
+            <a:pPr algn="ctr"/>
+            <a:endParaRPr lang="en-US" sz="1200"/>
+          </a:p>
+        </p:txBody>
+      </p:sp>
+      <p:sp>
+        <p:nvSpPr>
+          <p:cNvPr id="2" name="Rectangle 1"/>
+          <p:cNvSpPr/>
+          <p:nvPr/>
+        </p:nvSpPr>
+        <p:spPr>
+          <a:xfrm>
+            <a:off x="1828800" y="1447800"/>
+            <a:ext cx="5486400" cy="2362200"/>
+          </a:xfrm>
+          <a:prstGeom prst="rect">
+            <a:avLst/>
+          </a:prstGeom>
+          <a:noFill/>
+        </p:spPr>
+        <p:style>
+          <a:lnRef idx="2">
+            <a:schemeClr val="accent1">
+              <a:shade val="50000"/>
+            </a:schemeClr>
+          </a:lnRef>
+          <a:fillRef idx="1">
+            <a:schemeClr val="accent1"/>
+          </a:fillRef>
+          <a:effectRef idx="0">
+            <a:schemeClr val="accent1"/>
+          </a:effectRef>
+          <a:fontRef idx="minor">
+            <a:schemeClr val="lt1"/>
+          </a:fontRef>
+        </p:style>
+        <p:txBody>
+          <a:bodyPr rtlCol="0" anchor="ctr"/>
+          <a:lstStyle/>
+          <a:p>
+            <a:pPr algn="ctr"/>
+            <a:endParaRPr lang="en-US" sz="1200" dirty="0">
+              <a:solidFill>
+                <a:schemeClr val="tx1"/>
+              </a:solidFill>
+              <a:latin typeface="Verdana" pitchFamily="34" charset="0"/>
+              <a:ea typeface="Verdana" pitchFamily="34" charset="0"/>
+              <a:cs typeface="Verdana" pitchFamily="34" charset="0"/>
+            </a:endParaRPr>
+          </a:p>
+        </p:txBody>
+      </p:sp>
+      <p:sp>
+        <p:nvSpPr>
+          <p:cNvPr id="27" name="Rectangle 26"/>
+          <p:cNvSpPr/>
+          <p:nvPr/>
+        </p:nvSpPr>
+        <p:spPr>
+          <a:xfrm>
+            <a:off x="3200400" y="3886200"/>
+            <a:ext cx="2651760" cy="1276350"/>
+          </a:xfrm>
+          <a:prstGeom prst="rect">
+            <a:avLst/>
+          </a:prstGeom>
+          <a:solidFill>
+            <a:schemeClr val="accent2">
+              <a:lumMod val="40000"/>
+              <a:lumOff val="60000"/>
+            </a:schemeClr>
+          </a:solidFill>
+        </p:spPr>
+        <p:style>
+          <a:lnRef idx="2">
+            <a:schemeClr val="accent1">
+              <a:shade val="50000"/>
+            </a:schemeClr>
+          </a:lnRef>
+          <a:fillRef idx="1">
+            <a:schemeClr val="accent1"/>
+          </a:fillRef>
+          <a:effectRef idx="0">
+            <a:schemeClr val="accent1"/>
+          </a:effectRef>
+          <a:fontRef idx="minor">
+            <a:schemeClr val="lt1"/>
+          </a:fontRef>
+        </p:style>
+        <p:txBody>
+          <a:bodyPr rtlCol="0" anchor="ctr"/>
+          <a:lstStyle/>
+          <a:p>
+            <a:pPr algn="ctr"/>
+            <a:r>
+              <a:rPr lang="en-US" sz="1200" dirty="0" smtClean="0">
+                <a:solidFill>
+                  <a:schemeClr val="tx1"/>
+                </a:solidFill>
+                <a:latin typeface="Verdana" pitchFamily="34" charset="0"/>
+                <a:ea typeface="Verdana" pitchFamily="34" charset="0"/>
+                <a:cs typeface="Verdana" pitchFamily="34" charset="0"/>
+              </a:rPr>
+              <a:t>Video of Us Talking about our work! </a:t>
+            </a:r>
+            <a:endParaRPr lang="en-US" sz="1200" dirty="0">
+              <a:solidFill>
+                <a:schemeClr val="tx1"/>
+              </a:solidFill>
+              <a:latin typeface="Verdana" pitchFamily="34" charset="0"/>
+              <a:ea typeface="Verdana" pitchFamily="34" charset="0"/>
+              <a:cs typeface="Verdana" pitchFamily="34" charset="0"/>
+            </a:endParaRPr>
+          </a:p>
+        </p:txBody>
+      </p:sp>
+      <p:sp>
+        <p:nvSpPr>
+          <p:cNvPr id="3" name="TextBox 2"/>
           <p:cNvSpPr txBox="1"/>
           <p:nvPr/>
         </p:nvSpPr>
         <p:spPr>
           <a:xfrm>
-            <a:off x="2514600" y="1752600"/>
-            <a:ext cx="4114800" cy="369332"/>
+            <a:off x="266700" y="1369367"/>
+            <a:ext cx="1295400" cy="461665"/>
           </a:xfrm>
           <a:prstGeom prst="rect">
             <a:avLst/>
@@ -7382,17 +8419,729 @@
           <a:p>
             <a:pPr algn="ctr"/>
             <a:r>
+              <a:rPr lang="en-US" sz="2400" dirty="0" smtClean="0">
+                <a:solidFill>
+                  <a:schemeClr val="bg1"/>
+                </a:solidFill>
+                <a:latin typeface="Georgia" pitchFamily="18" charset="0"/>
+              </a:rPr>
+              <a:t>Header</a:t>
+            </a:r>
+            <a:endParaRPr lang="en-US" sz="2400" dirty="0">
+              <a:solidFill>
+                <a:schemeClr val="bg1"/>
+              </a:solidFill>
+              <a:latin typeface="Georgia" pitchFamily="18" charset="0"/>
+            </a:endParaRPr>
+          </a:p>
+        </p:txBody>
+      </p:sp>
+      <p:sp>
+        <p:nvSpPr>
+          <p:cNvPr id="29" name="TextBox 28"/>
+          <p:cNvSpPr txBox="1"/>
+          <p:nvPr/>
+        </p:nvSpPr>
+        <p:spPr>
+          <a:xfrm>
+            <a:off x="304800" y="1824335"/>
+            <a:ext cx="1295400" cy="1015663"/>
+          </a:xfrm>
+          <a:prstGeom prst="rect">
+            <a:avLst/>
+          </a:prstGeom>
+          <a:noFill/>
+        </p:spPr>
+        <p:txBody>
+          <a:bodyPr wrap="square" rtlCol="0">
+            <a:spAutoFit/>
+          </a:bodyPr>
+          <a:lstStyle/>
+          <a:p>
+            <a:pPr algn="ctr"/>
+            <a:r>
+              <a:rPr lang="en-US" sz="1200" dirty="0" smtClean="0">
+                <a:solidFill>
+                  <a:schemeClr val="bg1"/>
+                </a:solidFill>
+                <a:latin typeface="Verdana" pitchFamily="34" charset="0"/>
+                <a:ea typeface="Verdana" pitchFamily="34" charset="0"/>
+                <a:cs typeface="Verdana" pitchFamily="34" charset="0"/>
+              </a:rPr>
+              <a:t>Body text the quick brown fox jumped over the lazy dog</a:t>
+            </a:r>
+            <a:endParaRPr lang="en-US" sz="1200" dirty="0">
+              <a:solidFill>
+                <a:schemeClr val="bg1"/>
+              </a:solidFill>
+              <a:latin typeface="Verdana" pitchFamily="34" charset="0"/>
+              <a:ea typeface="Verdana" pitchFamily="34" charset="0"/>
+              <a:cs typeface="Verdana" pitchFamily="34" charset="0"/>
+            </a:endParaRPr>
+          </a:p>
+        </p:txBody>
+      </p:sp>
+      <p:sp>
+        <p:nvSpPr>
+          <p:cNvPr id="7" name="TextBox 6"/>
+          <p:cNvSpPr txBox="1"/>
+          <p:nvPr/>
+        </p:nvSpPr>
+        <p:spPr>
+          <a:xfrm>
+            <a:off x="2552700" y="304800"/>
+            <a:ext cx="3810000" cy="369332"/>
+          </a:xfrm>
+          <a:prstGeom prst="rect">
+            <a:avLst/>
+          </a:prstGeom>
+          <a:noFill/>
+        </p:spPr>
+        <p:txBody>
+          <a:bodyPr wrap="square" rtlCol="0">
+            <a:spAutoFit/>
+          </a:bodyPr>
+          <a:lstStyle/>
+          <a:p>
+            <a:pPr algn="ctr"/>
+            <a:r>
               <a:rPr lang="en-US" dirty="0" smtClean="0"/>
-              <a:t>SPLASH PAGE</a:t>
+              <a:t>Get to the info! [Logo]</a:t>
             </a:r>
             <a:endParaRPr lang="en-US" dirty="0"/>
+          </a:p>
+        </p:txBody>
+      </p:sp>
+      <p:sp>
+        <p:nvSpPr>
+          <p:cNvPr id="30" name="TextBox 29"/>
+          <p:cNvSpPr txBox="1"/>
+          <p:nvPr/>
+        </p:nvSpPr>
+        <p:spPr>
+          <a:xfrm>
+            <a:off x="3048000" y="1764268"/>
+            <a:ext cx="2971800" cy="369332"/>
+          </a:xfrm>
+          <a:prstGeom prst="rect">
+            <a:avLst/>
+          </a:prstGeom>
+          <a:noFill/>
+        </p:spPr>
+        <p:txBody>
+          <a:bodyPr wrap="square" rtlCol="0">
+            <a:spAutoFit/>
+          </a:bodyPr>
+          <a:lstStyle/>
+          <a:p>
+            <a:pPr algn="ctr"/>
+            <a:r>
+              <a:rPr lang="en-US" dirty="0" smtClean="0">
+                <a:latin typeface="Georgia" pitchFamily="18" charset="0"/>
+              </a:rPr>
+              <a:t>Mission &amp; Vision</a:t>
+            </a:r>
+            <a:endParaRPr lang="en-US" dirty="0">
+              <a:latin typeface="Georgia" pitchFamily="18" charset="0"/>
+            </a:endParaRPr>
+          </a:p>
+        </p:txBody>
+      </p:sp>
+      <p:sp>
+        <p:nvSpPr>
+          <p:cNvPr id="31" name="TextBox 30"/>
+          <p:cNvSpPr txBox="1"/>
+          <p:nvPr/>
+        </p:nvSpPr>
+        <p:spPr>
+          <a:xfrm>
+            <a:off x="1828800" y="1414046"/>
+            <a:ext cx="2628900" cy="338554"/>
+          </a:xfrm>
+          <a:prstGeom prst="rect">
+            <a:avLst/>
+          </a:prstGeom>
+          <a:noFill/>
+        </p:spPr>
+        <p:txBody>
+          <a:bodyPr wrap="square" rtlCol="0">
+            <a:spAutoFit/>
+          </a:bodyPr>
+          <a:lstStyle/>
+          <a:p>
+            <a:r>
+              <a:rPr lang="en-US" sz="1600" dirty="0" smtClean="0"/>
+              <a:t>Who Are We</a:t>
+            </a:r>
+            <a:endParaRPr lang="en-US" sz="1600" dirty="0"/>
+          </a:p>
+        </p:txBody>
+      </p:sp>
+      <p:sp>
+        <p:nvSpPr>
+          <p:cNvPr id="33" name="Rectangle 32"/>
+          <p:cNvSpPr/>
+          <p:nvPr/>
+        </p:nvSpPr>
+        <p:spPr>
+          <a:xfrm>
+            <a:off x="1905000" y="1750111"/>
+            <a:ext cx="5257800" cy="1992868"/>
+          </a:xfrm>
+          <a:prstGeom prst="rect">
+            <a:avLst/>
+          </a:prstGeom>
+          <a:noFill/>
+        </p:spPr>
+        <p:style>
+          <a:lnRef idx="2">
+            <a:schemeClr val="accent1">
+              <a:shade val="50000"/>
+            </a:schemeClr>
+          </a:lnRef>
+          <a:fillRef idx="1">
+            <a:schemeClr val="accent1"/>
+          </a:fillRef>
+          <a:effectRef idx="0">
+            <a:schemeClr val="accent1"/>
+          </a:effectRef>
+          <a:fontRef idx="minor">
+            <a:schemeClr val="lt1"/>
+          </a:fontRef>
+        </p:style>
+        <p:txBody>
+          <a:bodyPr rtlCol="0" anchor="ctr"/>
+          <a:lstStyle/>
+          <a:p>
+            <a:pPr algn="ctr"/>
+            <a:endParaRPr lang="en-US" sz="1200" dirty="0">
+              <a:solidFill>
+                <a:schemeClr val="tx1"/>
+              </a:solidFill>
+              <a:latin typeface="Verdana" pitchFamily="34" charset="0"/>
+              <a:ea typeface="Verdana" pitchFamily="34" charset="0"/>
+              <a:cs typeface="Verdana" pitchFamily="34" charset="0"/>
+            </a:endParaRPr>
+          </a:p>
+        </p:txBody>
+      </p:sp>
+      <p:sp>
+        <p:nvSpPr>
+          <p:cNvPr id="32" name="Rectangle 31"/>
+          <p:cNvSpPr/>
+          <p:nvPr/>
+        </p:nvSpPr>
+        <p:spPr>
+          <a:xfrm>
+            <a:off x="3276600" y="5715000"/>
+            <a:ext cx="2438400" cy="381000"/>
+          </a:xfrm>
+          <a:prstGeom prst="rect">
+            <a:avLst/>
+          </a:prstGeom>
+        </p:spPr>
+        <p:style>
+          <a:lnRef idx="2">
+            <a:schemeClr val="accent1">
+              <a:shade val="50000"/>
+            </a:schemeClr>
+          </a:lnRef>
+          <a:fillRef idx="1">
+            <a:schemeClr val="accent1"/>
+          </a:fillRef>
+          <a:effectRef idx="0">
+            <a:schemeClr val="accent1"/>
+          </a:effectRef>
+          <a:fontRef idx="minor">
+            <a:schemeClr val="lt1"/>
+          </a:fontRef>
+        </p:style>
+        <p:txBody>
+          <a:bodyPr rtlCol="0" anchor="ctr"/>
+          <a:lstStyle/>
+          <a:p>
+            <a:pPr algn="ctr"/>
+            <a:r>
+              <a:rPr lang="en-US" sz="700" dirty="0" smtClean="0"/>
+              <a:t>Social Media</a:t>
+            </a:r>
+            <a:endParaRPr lang="en-US" sz="700" dirty="0"/>
+          </a:p>
+        </p:txBody>
+      </p:sp>
+      <p:sp>
+        <p:nvSpPr>
+          <p:cNvPr id="34" name="Rectangle 33"/>
+          <p:cNvSpPr/>
+          <p:nvPr/>
+        </p:nvSpPr>
+        <p:spPr>
+          <a:xfrm>
+            <a:off x="5791200" y="0"/>
+            <a:ext cx="1524000" cy="304800"/>
+          </a:xfrm>
+          <a:prstGeom prst="rect">
+            <a:avLst/>
+          </a:prstGeom>
+        </p:spPr>
+        <p:style>
+          <a:lnRef idx="2">
+            <a:schemeClr val="accent1">
+              <a:shade val="50000"/>
+            </a:schemeClr>
+          </a:lnRef>
+          <a:fillRef idx="1">
+            <a:schemeClr val="accent1"/>
+          </a:fillRef>
+          <a:effectRef idx="0">
+            <a:schemeClr val="accent1"/>
+          </a:effectRef>
+          <a:fontRef idx="minor">
+            <a:schemeClr val="lt1"/>
+          </a:fontRef>
+        </p:style>
+        <p:txBody>
+          <a:bodyPr rtlCol="0" anchor="ctr"/>
+          <a:lstStyle/>
+          <a:p>
+            <a:pPr algn="ctr"/>
+            <a:r>
+              <a:rPr lang="en-US" dirty="0" smtClean="0"/>
+              <a:t>Search</a:t>
+            </a:r>
+            <a:endParaRPr lang="en-US" dirty="0"/>
+          </a:p>
+        </p:txBody>
+      </p:sp>
+      <p:sp>
+        <p:nvSpPr>
+          <p:cNvPr id="37" name="Rectangle 36"/>
+          <p:cNvSpPr/>
+          <p:nvPr/>
+        </p:nvSpPr>
+        <p:spPr>
+          <a:xfrm>
+            <a:off x="1828800" y="838200"/>
+            <a:ext cx="5486400" cy="419100"/>
+          </a:xfrm>
+          <a:prstGeom prst="rect">
+            <a:avLst/>
+          </a:prstGeom>
+          <a:solidFill>
+            <a:schemeClr val="tx2"/>
+          </a:solidFill>
+          <a:ln>
+            <a:solidFill>
+              <a:schemeClr val="tx2"/>
+            </a:solidFill>
+          </a:ln>
+        </p:spPr>
+        <p:style>
+          <a:lnRef idx="2">
+            <a:schemeClr val="accent1">
+              <a:shade val="50000"/>
+            </a:schemeClr>
+          </a:lnRef>
+          <a:fillRef idx="1">
+            <a:schemeClr val="accent1"/>
+          </a:fillRef>
+          <a:effectRef idx="0">
+            <a:schemeClr val="accent1"/>
+          </a:effectRef>
+          <a:fontRef idx="minor">
+            <a:schemeClr val="lt1"/>
+          </a:fontRef>
+        </p:style>
+        <p:txBody>
+          <a:bodyPr rtlCol="0" anchor="ctr"/>
+          <a:lstStyle/>
+          <a:p>
+            <a:pPr algn="ctr"/>
+            <a:endParaRPr lang="en-US" sz="1200"/>
+          </a:p>
+        </p:txBody>
+      </p:sp>
+      <p:sp>
+        <p:nvSpPr>
+          <p:cNvPr id="38" name="TextBox 37"/>
+          <p:cNvSpPr txBox="1"/>
+          <p:nvPr/>
+        </p:nvSpPr>
+        <p:spPr>
+          <a:xfrm>
+            <a:off x="1798320" y="916323"/>
+            <a:ext cx="914400" cy="276999"/>
+          </a:xfrm>
+          <a:prstGeom prst="rect">
+            <a:avLst/>
+          </a:prstGeom>
+          <a:noFill/>
+        </p:spPr>
+        <p:txBody>
+          <a:bodyPr wrap="square" rtlCol="0">
+            <a:spAutoFit/>
+          </a:bodyPr>
+          <a:lstStyle/>
+          <a:p>
+            <a:pPr algn="ctr"/>
+            <a:r>
+              <a:rPr lang="en-US" sz="1200" dirty="0" smtClean="0">
+                <a:solidFill>
+                  <a:schemeClr val="bg1"/>
+                </a:solidFill>
+                <a:latin typeface="Verdana" pitchFamily="34" charset="0"/>
+                <a:ea typeface="Verdana" pitchFamily="34" charset="0"/>
+                <a:cs typeface="Verdana" pitchFamily="34" charset="0"/>
+              </a:rPr>
+              <a:t>Home</a:t>
+            </a:r>
+            <a:endParaRPr lang="en-US" sz="1200" dirty="0">
+              <a:solidFill>
+                <a:schemeClr val="bg1"/>
+              </a:solidFill>
+              <a:latin typeface="Verdana" pitchFamily="34" charset="0"/>
+              <a:ea typeface="Verdana" pitchFamily="34" charset="0"/>
+              <a:cs typeface="Verdana" pitchFamily="34" charset="0"/>
+            </a:endParaRPr>
+          </a:p>
+        </p:txBody>
+      </p:sp>
+      <p:sp>
+        <p:nvSpPr>
+          <p:cNvPr id="39" name="TextBox 38"/>
+          <p:cNvSpPr txBox="1"/>
+          <p:nvPr/>
+        </p:nvSpPr>
+        <p:spPr>
+          <a:xfrm>
+            <a:off x="3223260" y="916323"/>
+            <a:ext cx="1066800" cy="276999"/>
+          </a:xfrm>
+          <a:prstGeom prst="rect">
+            <a:avLst/>
+          </a:prstGeom>
+          <a:noFill/>
+        </p:spPr>
+        <p:txBody>
+          <a:bodyPr wrap="square" rtlCol="0">
+            <a:spAutoFit/>
+          </a:bodyPr>
+          <a:lstStyle/>
+          <a:p>
+            <a:pPr algn="ctr"/>
+            <a:r>
+              <a:rPr lang="en-US" sz="1200" dirty="0" smtClean="0">
+                <a:solidFill>
+                  <a:schemeClr val="bg1"/>
+                </a:solidFill>
+                <a:latin typeface="Verdana" pitchFamily="34" charset="0"/>
+                <a:ea typeface="Verdana" pitchFamily="34" charset="0"/>
+                <a:cs typeface="Verdana" pitchFamily="34" charset="0"/>
+              </a:rPr>
+              <a:t>Brian</a:t>
+            </a:r>
+            <a:endParaRPr lang="en-US" sz="1200" dirty="0">
+              <a:solidFill>
+                <a:schemeClr val="bg1"/>
+              </a:solidFill>
+              <a:latin typeface="Verdana" pitchFamily="34" charset="0"/>
+              <a:ea typeface="Verdana" pitchFamily="34" charset="0"/>
+              <a:cs typeface="Verdana" pitchFamily="34" charset="0"/>
+            </a:endParaRPr>
+          </a:p>
+        </p:txBody>
+      </p:sp>
+      <p:sp>
+        <p:nvSpPr>
+          <p:cNvPr id="40" name="TextBox 39"/>
+          <p:cNvSpPr txBox="1"/>
+          <p:nvPr/>
+        </p:nvSpPr>
+        <p:spPr>
+          <a:xfrm>
+            <a:off x="4011930" y="916323"/>
+            <a:ext cx="1066800" cy="276999"/>
+          </a:xfrm>
+          <a:prstGeom prst="rect">
+            <a:avLst/>
+          </a:prstGeom>
+          <a:noFill/>
+          <a:ln>
+            <a:noFill/>
+          </a:ln>
+        </p:spPr>
+        <p:txBody>
+          <a:bodyPr wrap="square" rtlCol="0">
+            <a:spAutoFit/>
+          </a:bodyPr>
+          <a:lstStyle/>
+          <a:p>
+            <a:pPr algn="ctr"/>
+            <a:r>
+              <a:rPr lang="en-US" sz="1200" dirty="0" smtClean="0">
+                <a:solidFill>
+                  <a:schemeClr val="bg1"/>
+                </a:solidFill>
+                <a:latin typeface="Verdana" pitchFamily="34" charset="0"/>
+                <a:ea typeface="Verdana" pitchFamily="34" charset="0"/>
+                <a:cs typeface="Verdana" pitchFamily="34" charset="0"/>
+              </a:rPr>
+              <a:t>Spencer</a:t>
+            </a:r>
+            <a:endParaRPr lang="en-US" sz="1200" dirty="0">
+              <a:solidFill>
+                <a:schemeClr val="bg1"/>
+              </a:solidFill>
+              <a:latin typeface="Verdana" pitchFamily="34" charset="0"/>
+              <a:ea typeface="Verdana" pitchFamily="34" charset="0"/>
+              <a:cs typeface="Verdana" pitchFamily="34" charset="0"/>
+            </a:endParaRPr>
+          </a:p>
+        </p:txBody>
+      </p:sp>
+      <p:sp>
+        <p:nvSpPr>
+          <p:cNvPr id="41" name="TextBox 40"/>
+          <p:cNvSpPr txBox="1"/>
+          <p:nvPr/>
+        </p:nvSpPr>
+        <p:spPr>
+          <a:xfrm>
+            <a:off x="4800600" y="916323"/>
+            <a:ext cx="1066800" cy="276999"/>
+          </a:xfrm>
+          <a:prstGeom prst="rect">
+            <a:avLst/>
+          </a:prstGeom>
+          <a:noFill/>
+        </p:spPr>
+        <p:txBody>
+          <a:bodyPr wrap="square" rtlCol="0">
+            <a:spAutoFit/>
+          </a:bodyPr>
+          <a:lstStyle/>
+          <a:p>
+            <a:pPr algn="ctr"/>
+            <a:r>
+              <a:rPr lang="en-US" sz="1200" dirty="0" smtClean="0">
+                <a:solidFill>
+                  <a:schemeClr val="bg1"/>
+                </a:solidFill>
+                <a:latin typeface="Verdana" pitchFamily="34" charset="0"/>
+                <a:ea typeface="Verdana" pitchFamily="34" charset="0"/>
+                <a:cs typeface="Verdana" pitchFamily="34" charset="0"/>
+              </a:rPr>
+              <a:t>Mark</a:t>
+            </a:r>
+            <a:endParaRPr lang="en-US" sz="1200" dirty="0">
+              <a:solidFill>
+                <a:schemeClr val="bg1"/>
+              </a:solidFill>
+              <a:latin typeface="Verdana" pitchFamily="34" charset="0"/>
+              <a:ea typeface="Verdana" pitchFamily="34" charset="0"/>
+              <a:cs typeface="Verdana" pitchFamily="34" charset="0"/>
+            </a:endParaRPr>
+          </a:p>
+        </p:txBody>
+      </p:sp>
+      <p:sp>
+        <p:nvSpPr>
+          <p:cNvPr id="42" name="TextBox 41"/>
+          <p:cNvSpPr txBox="1"/>
+          <p:nvPr/>
+        </p:nvSpPr>
+        <p:spPr>
+          <a:xfrm>
+            <a:off x="6248400" y="916323"/>
+            <a:ext cx="1066800" cy="276999"/>
+          </a:xfrm>
+          <a:prstGeom prst="rect">
+            <a:avLst/>
+          </a:prstGeom>
+          <a:noFill/>
+        </p:spPr>
+        <p:txBody>
+          <a:bodyPr wrap="square" rtlCol="0">
+            <a:spAutoFit/>
+          </a:bodyPr>
+          <a:lstStyle/>
+          <a:p>
+            <a:pPr algn="ctr"/>
+            <a:r>
+              <a:rPr lang="en-US" sz="1200" dirty="0" smtClean="0">
+                <a:solidFill>
+                  <a:schemeClr val="bg1"/>
+                </a:solidFill>
+                <a:latin typeface="Verdana" pitchFamily="34" charset="0"/>
+                <a:ea typeface="Verdana" pitchFamily="34" charset="0"/>
+                <a:cs typeface="Verdana" pitchFamily="34" charset="0"/>
+              </a:rPr>
+              <a:t>Store</a:t>
+            </a:r>
+            <a:endParaRPr lang="en-US" sz="1200" dirty="0">
+              <a:solidFill>
+                <a:schemeClr val="bg1"/>
+              </a:solidFill>
+              <a:latin typeface="Verdana" pitchFamily="34" charset="0"/>
+              <a:ea typeface="Verdana" pitchFamily="34" charset="0"/>
+              <a:cs typeface="Verdana" pitchFamily="34" charset="0"/>
+            </a:endParaRPr>
+          </a:p>
+        </p:txBody>
+      </p:sp>
+      <p:sp>
+        <p:nvSpPr>
+          <p:cNvPr id="43" name="TextBox 42"/>
+          <p:cNvSpPr txBox="1"/>
+          <p:nvPr/>
+        </p:nvSpPr>
+        <p:spPr>
+          <a:xfrm>
+            <a:off x="2434590" y="916323"/>
+            <a:ext cx="1066800" cy="276999"/>
+          </a:xfrm>
+          <a:prstGeom prst="rect">
+            <a:avLst/>
+          </a:prstGeom>
+          <a:noFill/>
+        </p:spPr>
+        <p:txBody>
+          <a:bodyPr wrap="square" rtlCol="0">
+            <a:spAutoFit/>
+          </a:bodyPr>
+          <a:lstStyle/>
+          <a:p>
+            <a:pPr algn="ctr"/>
+            <a:r>
+              <a:rPr lang="en-US" sz="1200" dirty="0" smtClean="0">
+                <a:solidFill>
+                  <a:schemeClr val="bg1"/>
+                </a:solidFill>
+                <a:latin typeface="Verdana" pitchFamily="34" charset="0"/>
+                <a:ea typeface="Verdana" pitchFamily="34" charset="0"/>
+                <a:cs typeface="Verdana" pitchFamily="34" charset="0"/>
+              </a:rPr>
+              <a:t>Blog</a:t>
+            </a:r>
+            <a:endParaRPr lang="en-US" sz="1200" dirty="0">
+              <a:solidFill>
+                <a:schemeClr val="bg1"/>
+              </a:solidFill>
+              <a:latin typeface="Verdana" pitchFamily="34" charset="0"/>
+              <a:ea typeface="Verdana" pitchFamily="34" charset="0"/>
+              <a:cs typeface="Verdana" pitchFamily="34" charset="0"/>
+            </a:endParaRPr>
+          </a:p>
+        </p:txBody>
+      </p:sp>
+      <p:sp>
+        <p:nvSpPr>
+          <p:cNvPr id="44" name="Rectangle 43"/>
+          <p:cNvSpPr/>
+          <p:nvPr/>
+        </p:nvSpPr>
+        <p:spPr>
+          <a:xfrm>
+            <a:off x="5715000" y="990600"/>
+            <a:ext cx="1524000" cy="152400"/>
+          </a:xfrm>
+          <a:prstGeom prst="rect">
+            <a:avLst/>
+          </a:prstGeom>
+          <a:solidFill>
+            <a:schemeClr val="bg1"/>
+          </a:solidFill>
+        </p:spPr>
+        <p:style>
+          <a:lnRef idx="2">
+            <a:schemeClr val="accent1">
+              <a:shade val="50000"/>
+            </a:schemeClr>
+          </a:lnRef>
+          <a:fillRef idx="1">
+            <a:schemeClr val="accent1"/>
+          </a:fillRef>
+          <a:effectRef idx="0">
+            <a:schemeClr val="accent1"/>
+          </a:effectRef>
+          <a:fontRef idx="minor">
+            <a:schemeClr val="lt1"/>
+          </a:fontRef>
+        </p:style>
+        <p:txBody>
+          <a:bodyPr rtlCol="0" anchor="ctr"/>
+          <a:lstStyle/>
+          <a:p>
+            <a:pPr algn="ctr"/>
+            <a:endParaRPr lang="en-US" dirty="0"/>
+          </a:p>
+        </p:txBody>
+      </p:sp>
+      <p:sp>
+        <p:nvSpPr>
+          <p:cNvPr id="45" name="Rectangle 44"/>
+          <p:cNvSpPr/>
+          <p:nvPr/>
+        </p:nvSpPr>
+        <p:spPr>
+          <a:xfrm>
+            <a:off x="4038600" y="5486400"/>
+            <a:ext cx="990600" cy="228600"/>
+          </a:xfrm>
+          <a:prstGeom prst="rect">
+            <a:avLst/>
+          </a:prstGeom>
+          <a:noFill/>
+        </p:spPr>
+        <p:style>
+          <a:lnRef idx="2">
+            <a:schemeClr val="accent1">
+              <a:shade val="50000"/>
+            </a:schemeClr>
+          </a:lnRef>
+          <a:fillRef idx="1">
+            <a:schemeClr val="accent1"/>
+          </a:fillRef>
+          <a:effectRef idx="0">
+            <a:schemeClr val="accent1"/>
+          </a:effectRef>
+          <a:fontRef idx="minor">
+            <a:schemeClr val="lt1"/>
+          </a:fontRef>
+        </p:style>
+        <p:txBody>
+          <a:bodyPr rtlCol="0" anchor="ctr"/>
+          <a:lstStyle/>
+          <a:p>
+            <a:pPr algn="ctr"/>
+            <a:r>
+              <a:rPr lang="en-US" sz="700" dirty="0" err="1" smtClean="0">
+                <a:solidFill>
+                  <a:schemeClr val="tx1"/>
+                </a:solidFill>
+              </a:rPr>
+              <a:t>StayConnected</a:t>
+            </a:r>
+            <a:r>
+              <a:rPr lang="en-US" sz="700" dirty="0" smtClean="0">
+                <a:solidFill>
+                  <a:schemeClr val="tx1"/>
+                </a:solidFill>
+              </a:rPr>
+              <a:t> and See What’s Next</a:t>
+            </a:r>
+            <a:endParaRPr lang="en-US" sz="700" dirty="0">
+              <a:solidFill>
+                <a:schemeClr val="tx1"/>
+              </a:solidFill>
+            </a:endParaRPr>
           </a:p>
         </p:txBody>
       </p:sp>
     </p:spTree>
     <p:extLst>
       <p:ext uri="{BB962C8B-B14F-4D97-AF65-F5344CB8AC3E}">
-        <p14:creationId xmlns:p14="http://schemas.microsoft.com/office/powerpoint/2010/main" val="4153365650"/>
+        <p14:creationId xmlns:p14="http://schemas.microsoft.com/office/powerpoint/2010/main" xmlns="" val="3521680818"/>
       </p:ext>
     </p:extLst>
   </p:cSld>
@@ -7523,349 +9272,16 @@
           </a:p>
         </p:txBody>
       </p:sp>
-      <p:cxnSp>
-        <p:nvCxnSpPr>
-          <p:cNvPr id="8" name="Straight Connector 7"/>
-          <p:cNvCxnSpPr/>
-          <p:nvPr/>
-        </p:nvCxnSpPr>
-        <p:spPr>
-          <a:xfrm>
-            <a:off x="1981200" y="76200"/>
-            <a:ext cx="5181600" cy="0"/>
-          </a:xfrm>
-          <a:prstGeom prst="line">
-            <a:avLst/>
-          </a:prstGeom>
-          <a:ln w="76200">
-            <a:solidFill>
-              <a:schemeClr val="tx2">
-                <a:lumMod val="75000"/>
-              </a:schemeClr>
-            </a:solidFill>
-          </a:ln>
-        </p:spPr>
-        <p:style>
-          <a:lnRef idx="1">
-            <a:schemeClr val="accent1"/>
-          </a:lnRef>
-          <a:fillRef idx="0">
-            <a:schemeClr val="accent1"/>
-          </a:fillRef>
-          <a:effectRef idx="0">
-            <a:schemeClr val="accent1"/>
-          </a:effectRef>
-          <a:fontRef idx="minor">
-            <a:schemeClr val="tx1"/>
-          </a:fontRef>
-        </p:style>
-      </p:cxnSp>
-      <p:cxnSp>
-        <p:nvCxnSpPr>
-          <p:cNvPr id="9" name="Straight Connector 8"/>
-          <p:cNvCxnSpPr/>
-          <p:nvPr/>
-        </p:nvCxnSpPr>
-        <p:spPr>
-          <a:xfrm>
-            <a:off x="1981200" y="165066"/>
-            <a:ext cx="5181600" cy="0"/>
-          </a:xfrm>
-          <a:prstGeom prst="line">
-            <a:avLst/>
-          </a:prstGeom>
-          <a:ln w="57150">
-            <a:solidFill>
-              <a:schemeClr val="tx2">
-                <a:lumMod val="75000"/>
-              </a:schemeClr>
-            </a:solidFill>
-          </a:ln>
-        </p:spPr>
-        <p:style>
-          <a:lnRef idx="1">
-            <a:schemeClr val="accent1"/>
-          </a:lnRef>
-          <a:fillRef idx="0">
-            <a:schemeClr val="accent1"/>
-          </a:fillRef>
-          <a:effectRef idx="0">
-            <a:schemeClr val="accent1"/>
-          </a:effectRef>
-          <a:fontRef idx="minor">
-            <a:schemeClr val="tx1"/>
-          </a:fontRef>
-        </p:style>
-      </p:cxnSp>
-      <p:cxnSp>
-        <p:nvCxnSpPr>
-          <p:cNvPr id="10" name="Straight Connector 9"/>
-          <p:cNvCxnSpPr/>
-          <p:nvPr/>
-        </p:nvCxnSpPr>
-        <p:spPr>
-          <a:xfrm>
-            <a:off x="1981200" y="252070"/>
-            <a:ext cx="5181600" cy="0"/>
-          </a:xfrm>
-          <a:prstGeom prst="line">
-            <a:avLst/>
-          </a:prstGeom>
-          <a:ln w="38100">
-            <a:solidFill>
-              <a:schemeClr val="tx2">
-                <a:lumMod val="75000"/>
-              </a:schemeClr>
-            </a:solidFill>
-          </a:ln>
-        </p:spPr>
-        <p:style>
-          <a:lnRef idx="1">
-            <a:schemeClr val="accent1"/>
-          </a:lnRef>
-          <a:fillRef idx="0">
-            <a:schemeClr val="accent1"/>
-          </a:fillRef>
-          <a:effectRef idx="0">
-            <a:schemeClr val="accent1"/>
-          </a:effectRef>
-          <a:fontRef idx="minor">
-            <a:schemeClr val="tx1"/>
-          </a:fontRef>
-        </p:style>
-      </p:cxnSp>
-      <p:cxnSp>
-        <p:nvCxnSpPr>
-          <p:cNvPr id="11" name="Straight Connector 10"/>
-          <p:cNvCxnSpPr/>
-          <p:nvPr/>
-        </p:nvCxnSpPr>
-        <p:spPr>
-          <a:xfrm>
-            <a:off x="1981200" y="326848"/>
-            <a:ext cx="5181600" cy="0"/>
-          </a:xfrm>
-          <a:prstGeom prst="line">
-            <a:avLst/>
-          </a:prstGeom>
-          <a:ln w="28575">
-            <a:solidFill>
-              <a:schemeClr val="tx2">
-                <a:lumMod val="75000"/>
-              </a:schemeClr>
-            </a:solidFill>
-          </a:ln>
-        </p:spPr>
-        <p:style>
-          <a:lnRef idx="1">
-            <a:schemeClr val="accent1"/>
-          </a:lnRef>
-          <a:fillRef idx="0">
-            <a:schemeClr val="accent1"/>
-          </a:fillRef>
-          <a:effectRef idx="0">
-            <a:schemeClr val="accent1"/>
-          </a:effectRef>
-          <a:fontRef idx="minor">
-            <a:schemeClr val="tx1"/>
-          </a:fontRef>
-        </p:style>
-      </p:cxnSp>
-      <p:cxnSp>
-        <p:nvCxnSpPr>
-          <p:cNvPr id="12" name="Straight Connector 11"/>
-          <p:cNvCxnSpPr/>
-          <p:nvPr/>
-        </p:nvCxnSpPr>
-        <p:spPr>
-          <a:xfrm>
-            <a:off x="1981200" y="394802"/>
-            <a:ext cx="5181600" cy="0"/>
-          </a:xfrm>
-          <a:prstGeom prst="line">
-            <a:avLst/>
-          </a:prstGeom>
-          <a:ln w="19050">
-            <a:solidFill>
-              <a:schemeClr val="tx2">
-                <a:lumMod val="75000"/>
-              </a:schemeClr>
-            </a:solidFill>
-          </a:ln>
-        </p:spPr>
-        <p:style>
-          <a:lnRef idx="1">
-            <a:schemeClr val="accent1"/>
-          </a:lnRef>
-          <a:fillRef idx="0">
-            <a:schemeClr val="accent1"/>
-          </a:fillRef>
-          <a:effectRef idx="0">
-            <a:schemeClr val="accent1"/>
-          </a:effectRef>
-          <a:fontRef idx="minor">
-            <a:schemeClr val="tx1"/>
-          </a:fontRef>
-        </p:style>
-      </p:cxnSp>
-      <p:cxnSp>
-        <p:nvCxnSpPr>
-          <p:cNvPr id="13" name="Straight Connector 12"/>
-          <p:cNvCxnSpPr/>
-          <p:nvPr/>
-        </p:nvCxnSpPr>
-        <p:spPr>
-          <a:xfrm>
-            <a:off x="1981200" y="455932"/>
-            <a:ext cx="5181600" cy="0"/>
-          </a:xfrm>
-          <a:prstGeom prst="line">
-            <a:avLst/>
-          </a:prstGeom>
-          <a:ln w="12700">
-            <a:solidFill>
-              <a:schemeClr val="tx2">
-                <a:lumMod val="75000"/>
-              </a:schemeClr>
-            </a:solidFill>
-          </a:ln>
-        </p:spPr>
-        <p:style>
-          <a:lnRef idx="1">
-            <a:schemeClr val="accent1"/>
-          </a:lnRef>
-          <a:fillRef idx="0">
-            <a:schemeClr val="accent1"/>
-          </a:fillRef>
-          <a:effectRef idx="0">
-            <a:schemeClr val="accent1"/>
-          </a:effectRef>
-          <a:fontRef idx="minor">
-            <a:schemeClr val="tx1"/>
-          </a:fontRef>
-        </p:style>
-      </p:cxnSp>
-      <p:cxnSp>
-        <p:nvCxnSpPr>
-          <p:cNvPr id="14" name="Straight Connector 13"/>
-          <p:cNvCxnSpPr/>
-          <p:nvPr/>
-        </p:nvCxnSpPr>
-        <p:spPr>
-          <a:xfrm>
-            <a:off x="1981200" y="503414"/>
-            <a:ext cx="5181600" cy="0"/>
-          </a:xfrm>
-          <a:prstGeom prst="line">
-            <a:avLst/>
-          </a:prstGeom>
-          <a:ln w="9525">
-            <a:solidFill>
-              <a:schemeClr val="tx2">
-                <a:lumMod val="75000"/>
-              </a:schemeClr>
-            </a:solidFill>
-          </a:ln>
-        </p:spPr>
-        <p:style>
-          <a:lnRef idx="1">
-            <a:schemeClr val="accent1"/>
-          </a:lnRef>
-          <a:fillRef idx="0">
-            <a:schemeClr val="accent1"/>
-          </a:fillRef>
-          <a:effectRef idx="0">
-            <a:schemeClr val="accent1"/>
-          </a:effectRef>
-          <a:fontRef idx="minor">
-            <a:schemeClr val="tx1"/>
-          </a:fontRef>
-        </p:style>
-      </p:cxnSp>
-      <p:cxnSp>
-        <p:nvCxnSpPr>
-          <p:cNvPr id="15" name="Straight Connector 14"/>
-          <p:cNvCxnSpPr/>
-          <p:nvPr/>
-        </p:nvCxnSpPr>
-        <p:spPr>
-          <a:xfrm>
-            <a:off x="1981200" y="550896"/>
-            <a:ext cx="5181600" cy="0"/>
-          </a:xfrm>
-          <a:prstGeom prst="line">
-            <a:avLst/>
-          </a:prstGeom>
-          <a:ln w="6350">
-            <a:solidFill>
-              <a:schemeClr val="tx2">
-                <a:lumMod val="75000"/>
-              </a:schemeClr>
-            </a:solidFill>
-          </a:ln>
-        </p:spPr>
-        <p:style>
-          <a:lnRef idx="1">
-            <a:schemeClr val="accent1"/>
-          </a:lnRef>
-          <a:fillRef idx="0">
-            <a:schemeClr val="accent1"/>
-          </a:fillRef>
-          <a:effectRef idx="0">
-            <a:schemeClr val="accent1"/>
-          </a:effectRef>
-          <a:fontRef idx="minor">
-            <a:schemeClr val="tx1"/>
-          </a:fontRef>
-        </p:style>
-      </p:cxnSp>
-      <p:cxnSp>
-        <p:nvCxnSpPr>
-          <p:cNvPr id="16" name="Straight Connector 15"/>
-          <p:cNvCxnSpPr/>
-          <p:nvPr/>
-        </p:nvCxnSpPr>
-        <p:spPr>
-          <a:xfrm>
-            <a:off x="1981200" y="598378"/>
-            <a:ext cx="5181600" cy="0"/>
-          </a:xfrm>
-          <a:prstGeom prst="line">
-            <a:avLst/>
-          </a:prstGeom>
-          <a:ln w="3175">
-            <a:solidFill>
-              <a:schemeClr val="tx2">
-                <a:lumMod val="75000"/>
-              </a:schemeClr>
-            </a:solidFill>
-          </a:ln>
-        </p:spPr>
-        <p:style>
-          <a:lnRef idx="1">
-            <a:schemeClr val="accent1"/>
-          </a:lnRef>
-          <a:fillRef idx="0">
-            <a:schemeClr val="accent1"/>
-          </a:fillRef>
-          <a:effectRef idx="0">
-            <a:schemeClr val="accent1"/>
-          </a:effectRef>
-          <a:fontRef idx="minor">
-            <a:schemeClr val="tx1"/>
-          </a:fontRef>
-        </p:style>
-      </p:cxnSp>
-      <p:sp>
-        <p:nvSpPr>
-          <p:cNvPr id="17" name="TextBox 16"/>
+      <p:sp>
+        <p:nvSpPr>
+          <p:cNvPr id="2" name="TextBox 1"/>
           <p:cNvSpPr txBox="1"/>
           <p:nvPr/>
         </p:nvSpPr>
         <p:spPr>
           <a:xfrm>
-            <a:off x="1981200" y="685800"/>
-            <a:ext cx="914400" cy="369332"/>
+            <a:off x="2514600" y="1752600"/>
+            <a:ext cx="4114800" cy="369332"/>
           </a:xfrm>
           <a:prstGeom prst="rect">
             <a:avLst/>
@@ -7881,211 +9297,16 @@
             <a:pPr algn="ctr"/>
             <a:r>
               <a:rPr lang="en-US" dirty="0" smtClean="0"/>
-              <a:t>Home</a:t>
+              <a:t>SPLASH PAGE</a:t>
             </a:r>
             <a:endParaRPr lang="en-US" dirty="0"/>
           </a:p>
         </p:txBody>
       </p:sp>
-      <p:sp>
-        <p:nvSpPr>
-          <p:cNvPr id="18" name="TextBox 17"/>
-          <p:cNvSpPr txBox="1"/>
-          <p:nvPr/>
-        </p:nvSpPr>
-        <p:spPr>
-          <a:xfrm>
-            <a:off x="3596640" y="685800"/>
-            <a:ext cx="1066800" cy="369332"/>
-          </a:xfrm>
-          <a:prstGeom prst="rect">
-            <a:avLst/>
-          </a:prstGeom>
-          <a:noFill/>
-        </p:spPr>
-        <p:txBody>
-          <a:bodyPr wrap="square" rtlCol="0">
-            <a:spAutoFit/>
-          </a:bodyPr>
-          <a:lstStyle/>
-          <a:p>
-            <a:pPr algn="ctr"/>
-            <a:r>
-              <a:rPr lang="en-US" dirty="0" smtClean="0"/>
-              <a:t>Brian</a:t>
-            </a:r>
-            <a:endParaRPr lang="en-US" dirty="0"/>
-          </a:p>
-        </p:txBody>
-      </p:sp>
-      <p:sp>
-        <p:nvSpPr>
-          <p:cNvPr id="19" name="TextBox 18"/>
-          <p:cNvSpPr txBox="1"/>
-          <p:nvPr/>
-        </p:nvSpPr>
-        <p:spPr>
-          <a:xfrm>
-            <a:off x="4480560" y="685800"/>
-            <a:ext cx="1066800" cy="369332"/>
-          </a:xfrm>
-          <a:prstGeom prst="rect">
-            <a:avLst/>
-          </a:prstGeom>
-          <a:noFill/>
-          <a:ln>
-            <a:noFill/>
-          </a:ln>
-        </p:spPr>
-        <p:txBody>
-          <a:bodyPr wrap="square" rtlCol="0">
-            <a:spAutoFit/>
-          </a:bodyPr>
-          <a:lstStyle/>
-          <a:p>
-            <a:pPr algn="ctr"/>
-            <a:r>
-              <a:rPr lang="en-US" dirty="0" smtClean="0"/>
-              <a:t>Spencer</a:t>
-            </a:r>
-            <a:endParaRPr lang="en-US" dirty="0"/>
-          </a:p>
-        </p:txBody>
-      </p:sp>
-      <p:sp>
-        <p:nvSpPr>
-          <p:cNvPr id="20" name="TextBox 19"/>
-          <p:cNvSpPr txBox="1"/>
-          <p:nvPr/>
-        </p:nvSpPr>
-        <p:spPr>
-          <a:xfrm>
-            <a:off x="5364480" y="685800"/>
-            <a:ext cx="1066800" cy="369332"/>
-          </a:xfrm>
-          <a:prstGeom prst="rect">
-            <a:avLst/>
-          </a:prstGeom>
-          <a:noFill/>
-        </p:spPr>
-        <p:txBody>
-          <a:bodyPr wrap="square" rtlCol="0">
-            <a:spAutoFit/>
-          </a:bodyPr>
-          <a:lstStyle/>
-          <a:p>
-            <a:pPr algn="ctr"/>
-            <a:r>
-              <a:rPr lang="en-US" dirty="0" smtClean="0"/>
-              <a:t>Mark</a:t>
-            </a:r>
-            <a:endParaRPr lang="en-US" dirty="0"/>
-          </a:p>
-        </p:txBody>
-      </p:sp>
-      <p:sp>
-        <p:nvSpPr>
-          <p:cNvPr id="21" name="TextBox 20"/>
-          <p:cNvSpPr txBox="1"/>
-          <p:nvPr/>
-        </p:nvSpPr>
-        <p:spPr>
-          <a:xfrm>
-            <a:off x="6248400" y="713601"/>
-            <a:ext cx="1066800" cy="276999"/>
-          </a:xfrm>
-          <a:prstGeom prst="rect">
-            <a:avLst/>
-          </a:prstGeom>
-          <a:solidFill>
-            <a:srgbClr val="FFC000"/>
-          </a:solidFill>
-        </p:spPr>
-        <p:txBody>
-          <a:bodyPr wrap="square" rtlCol="0">
-            <a:spAutoFit/>
-          </a:bodyPr>
-          <a:lstStyle/>
-          <a:p>
-            <a:pPr algn="ctr"/>
-            <a:r>
-              <a:rPr lang="en-US" sz="1200" dirty="0" smtClean="0"/>
-              <a:t>Private Forum</a:t>
-            </a:r>
-            <a:endParaRPr lang="en-US" sz="1200" dirty="0"/>
-          </a:p>
-        </p:txBody>
-      </p:sp>
-      <p:sp>
-        <p:nvSpPr>
-          <p:cNvPr id="22" name="TextBox 21"/>
-          <p:cNvSpPr txBox="1"/>
-          <p:nvPr/>
-        </p:nvSpPr>
-        <p:spPr>
-          <a:xfrm>
-            <a:off x="2712720" y="685800"/>
-            <a:ext cx="1066800" cy="369332"/>
-          </a:xfrm>
-          <a:prstGeom prst="rect">
-            <a:avLst/>
-          </a:prstGeom>
-          <a:noFill/>
-        </p:spPr>
-        <p:txBody>
-          <a:bodyPr wrap="square" rtlCol="0">
-            <a:spAutoFit/>
-          </a:bodyPr>
-          <a:lstStyle/>
-          <a:p>
-            <a:pPr algn="ctr"/>
-            <a:r>
-              <a:rPr lang="en-US" dirty="0" smtClean="0"/>
-              <a:t>Blog</a:t>
-            </a:r>
-            <a:endParaRPr lang="en-US" dirty="0"/>
-          </a:p>
-        </p:txBody>
-      </p:sp>
-      <p:cxnSp>
-        <p:nvCxnSpPr>
-          <p:cNvPr id="35" name="Straight Connector 34"/>
-          <p:cNvCxnSpPr/>
-          <p:nvPr/>
-        </p:nvCxnSpPr>
-        <p:spPr>
-          <a:xfrm flipH="1">
-            <a:off x="1981200" y="1055132"/>
-            <a:ext cx="5181600" cy="0"/>
-          </a:xfrm>
-          <a:prstGeom prst="line">
-            <a:avLst/>
-          </a:prstGeom>
-          <a:ln>
-            <a:solidFill>
-              <a:schemeClr val="accent6"/>
-            </a:solidFill>
-          </a:ln>
-        </p:spPr>
-        <p:style>
-          <a:lnRef idx="1">
-            <a:schemeClr val="accent1"/>
-          </a:lnRef>
-          <a:fillRef idx="0">
-            <a:schemeClr val="accent1"/>
-          </a:fillRef>
-          <a:effectRef idx="0">
-            <a:schemeClr val="accent1"/>
-          </a:effectRef>
-          <a:fontRef idx="minor">
-            <a:schemeClr val="tx1"/>
-          </a:fontRef>
-        </p:style>
-      </p:cxnSp>
     </p:spTree>
     <p:extLst>
       <p:ext uri="{BB962C8B-B14F-4D97-AF65-F5344CB8AC3E}">
-        <p14:creationId xmlns:p14="http://schemas.microsoft.com/office/powerpoint/2010/main" val="2586422417"/>
+        <p14:creationId xmlns:p14="http://schemas.microsoft.com/office/powerpoint/2010/main" xmlns="" val="4153365650"/>
       </p:ext>
     </p:extLst>
   </p:cSld>
@@ -8557,8 +9778,8 @@
         </p:nvSpPr>
         <p:spPr>
           <a:xfrm>
-            <a:off x="1828800" y="685800"/>
-            <a:ext cx="1066800" cy="369332"/>
+            <a:off x="1981200" y="685800"/>
+            <a:ext cx="914400" cy="369332"/>
           </a:xfrm>
           <a:prstGeom prst="rect">
             <a:avLst/>
@@ -8684,13 +9905,15 @@
         </p:nvSpPr>
         <p:spPr>
           <a:xfrm>
-            <a:off x="6248400" y="685800"/>
-            <a:ext cx="1066800" cy="369332"/>
-          </a:xfrm>
-          <a:prstGeom prst="rect">
-            <a:avLst/>
-          </a:prstGeom>
-          <a:noFill/>
+            <a:off x="6248400" y="713601"/>
+            <a:ext cx="1066800" cy="276999"/>
+          </a:xfrm>
+          <a:prstGeom prst="rect">
+            <a:avLst/>
+          </a:prstGeom>
+          <a:solidFill>
+            <a:srgbClr val="FFC000"/>
+          </a:solidFill>
         </p:spPr>
         <p:txBody>
           <a:bodyPr wrap="square" rtlCol="0">
@@ -8700,10 +9923,10 @@
           <a:p>
             <a:pPr algn="ctr"/>
             <a:r>
-              <a:rPr lang="en-US" dirty="0" smtClean="0"/>
-              <a:t>Store</a:t>
-            </a:r>
-            <a:endParaRPr lang="en-US" dirty="0"/>
+              <a:rPr lang="en-US" sz="1200" dirty="0" smtClean="0"/>
+              <a:t>Private Forum</a:t>
+            </a:r>
+            <a:endParaRPr lang="en-US" sz="1200" dirty="0"/>
           </a:p>
         </p:txBody>
       </p:sp>
@@ -8721,9 +9944,7 @@
           <a:prstGeom prst="rect">
             <a:avLst/>
           </a:prstGeom>
-          <a:solidFill>
-            <a:srgbClr val="FFC000"/>
-          </a:solidFill>
+          <a:noFill/>
         </p:spPr>
         <p:txBody>
           <a:bodyPr wrap="square" rtlCol="0">
@@ -8778,7 +9999,7 @@
     </p:spTree>
     <p:extLst>
       <p:ext uri="{BB962C8B-B14F-4D97-AF65-F5344CB8AC3E}">
-        <p14:creationId xmlns:p14="http://schemas.microsoft.com/office/powerpoint/2010/main" val="2298103351"/>
+        <p14:creationId xmlns:p14="http://schemas.microsoft.com/office/powerpoint/2010/main" xmlns="" val="2586422417"/>
       </p:ext>
     </p:extLst>
   </p:cSld>
@@ -9318,14 +10539,105 @@
           <a:prstGeom prst="rect">
             <a:avLst/>
           </a:prstGeom>
+          <a:noFill/>
+          <a:ln>
+            <a:noFill/>
+          </a:ln>
+        </p:spPr>
+        <p:txBody>
+          <a:bodyPr wrap="square" rtlCol="0">
+            <a:spAutoFit/>
+          </a:bodyPr>
+          <a:lstStyle/>
+          <a:p>
+            <a:pPr algn="ctr"/>
+            <a:r>
+              <a:rPr lang="en-US" dirty="0" smtClean="0"/>
+              <a:t>Spencer</a:t>
+            </a:r>
+            <a:endParaRPr lang="en-US" dirty="0"/>
+          </a:p>
+        </p:txBody>
+      </p:sp>
+      <p:sp>
+        <p:nvSpPr>
+          <p:cNvPr id="20" name="TextBox 19"/>
+          <p:cNvSpPr txBox="1"/>
+          <p:nvPr/>
+        </p:nvSpPr>
+        <p:spPr>
+          <a:xfrm>
+            <a:off x="5364480" y="685800"/>
+            <a:ext cx="1066800" cy="369332"/>
+          </a:xfrm>
+          <a:prstGeom prst="rect">
+            <a:avLst/>
+          </a:prstGeom>
+          <a:noFill/>
+        </p:spPr>
+        <p:txBody>
+          <a:bodyPr wrap="square" rtlCol="0">
+            <a:spAutoFit/>
+          </a:bodyPr>
+          <a:lstStyle/>
+          <a:p>
+            <a:pPr algn="ctr"/>
+            <a:r>
+              <a:rPr lang="en-US" dirty="0" smtClean="0"/>
+              <a:t>Mark</a:t>
+            </a:r>
+            <a:endParaRPr lang="en-US" dirty="0"/>
+          </a:p>
+        </p:txBody>
+      </p:sp>
+      <p:sp>
+        <p:nvSpPr>
+          <p:cNvPr id="21" name="TextBox 20"/>
+          <p:cNvSpPr txBox="1"/>
+          <p:nvPr/>
+        </p:nvSpPr>
+        <p:spPr>
+          <a:xfrm>
+            <a:off x="6248400" y="685800"/>
+            <a:ext cx="1066800" cy="369332"/>
+          </a:xfrm>
+          <a:prstGeom prst="rect">
+            <a:avLst/>
+          </a:prstGeom>
+          <a:noFill/>
+        </p:spPr>
+        <p:txBody>
+          <a:bodyPr wrap="square" rtlCol="0">
+            <a:spAutoFit/>
+          </a:bodyPr>
+          <a:lstStyle/>
+          <a:p>
+            <a:pPr algn="ctr"/>
+            <a:r>
+              <a:rPr lang="en-US" dirty="0" smtClean="0"/>
+              <a:t>Store</a:t>
+            </a:r>
+            <a:endParaRPr lang="en-US" dirty="0"/>
+          </a:p>
+        </p:txBody>
+      </p:sp>
+      <p:sp>
+        <p:nvSpPr>
+          <p:cNvPr id="22" name="TextBox 21"/>
+          <p:cNvSpPr txBox="1"/>
+          <p:nvPr/>
+        </p:nvSpPr>
+        <p:spPr>
+          <a:xfrm>
+            <a:off x="2712720" y="685800"/>
+            <a:ext cx="1066800" cy="369332"/>
+          </a:xfrm>
+          <a:prstGeom prst="rect">
+            <a:avLst/>
+          </a:prstGeom>
           <a:solidFill>
             <a:srgbClr val="FFC000"/>
           </a:solidFill>
-          <a:ln>
-            <a:solidFill>
-              <a:schemeClr val="accent6"/>
-            </a:solidFill>
-          </a:ln>
         </p:spPr>
         <p:txBody>
           <a:bodyPr wrap="square" rtlCol="0">
@@ -9335,107 +10647,6 @@
           <a:p>
             <a:pPr algn="ctr"/>
             <a:r>
-              <a:rPr lang="en-US" smtClean="0">
-                <a:solidFill>
-                  <a:schemeClr val="bg1"/>
-                </a:solidFill>
-              </a:rPr>
-              <a:t>Spencer</a:t>
-            </a:r>
-            <a:endParaRPr lang="en-US" dirty="0">
-              <a:solidFill>
-                <a:schemeClr val="bg1"/>
-              </a:solidFill>
-            </a:endParaRPr>
-          </a:p>
-        </p:txBody>
-      </p:sp>
-      <p:sp>
-        <p:nvSpPr>
-          <p:cNvPr id="20" name="TextBox 19"/>
-          <p:cNvSpPr txBox="1"/>
-          <p:nvPr/>
-        </p:nvSpPr>
-        <p:spPr>
-          <a:xfrm>
-            <a:off x="5364480" y="685800"/>
-            <a:ext cx="1066800" cy="369332"/>
-          </a:xfrm>
-          <a:prstGeom prst="rect">
-            <a:avLst/>
-          </a:prstGeom>
-          <a:noFill/>
-        </p:spPr>
-        <p:txBody>
-          <a:bodyPr wrap="square" rtlCol="0">
-            <a:spAutoFit/>
-          </a:bodyPr>
-          <a:lstStyle/>
-          <a:p>
-            <a:pPr algn="ctr"/>
-            <a:r>
-              <a:rPr lang="en-US" dirty="0" smtClean="0"/>
-              <a:t>Mark</a:t>
-            </a:r>
-            <a:endParaRPr lang="en-US" dirty="0"/>
-          </a:p>
-        </p:txBody>
-      </p:sp>
-      <p:sp>
-        <p:nvSpPr>
-          <p:cNvPr id="21" name="TextBox 20"/>
-          <p:cNvSpPr txBox="1"/>
-          <p:nvPr/>
-        </p:nvSpPr>
-        <p:spPr>
-          <a:xfrm>
-            <a:off x="6248400" y="685800"/>
-            <a:ext cx="1066800" cy="369332"/>
-          </a:xfrm>
-          <a:prstGeom prst="rect">
-            <a:avLst/>
-          </a:prstGeom>
-          <a:noFill/>
-        </p:spPr>
-        <p:txBody>
-          <a:bodyPr wrap="square" rtlCol="0">
-            <a:spAutoFit/>
-          </a:bodyPr>
-          <a:lstStyle/>
-          <a:p>
-            <a:pPr algn="ctr"/>
-            <a:r>
-              <a:rPr lang="en-US" dirty="0" smtClean="0"/>
-              <a:t>Store</a:t>
-            </a:r>
-            <a:endParaRPr lang="en-US" dirty="0"/>
-          </a:p>
-        </p:txBody>
-      </p:sp>
-      <p:sp>
-        <p:nvSpPr>
-          <p:cNvPr id="22" name="TextBox 21"/>
-          <p:cNvSpPr txBox="1"/>
-          <p:nvPr/>
-        </p:nvSpPr>
-        <p:spPr>
-          <a:xfrm>
-            <a:off x="2712720" y="685800"/>
-            <a:ext cx="1066800" cy="369332"/>
-          </a:xfrm>
-          <a:prstGeom prst="rect">
-            <a:avLst/>
-          </a:prstGeom>
-          <a:noFill/>
-        </p:spPr>
-        <p:txBody>
-          <a:bodyPr wrap="square" rtlCol="0">
-            <a:spAutoFit/>
-          </a:bodyPr>
-          <a:lstStyle/>
-          <a:p>
-            <a:pPr algn="ctr"/>
-            <a:r>
               <a:rPr lang="en-US" dirty="0" smtClean="0"/>
               <a:t>Blog</a:t>
             </a:r>
@@ -9445,14 +10656,14 @@
       </p:sp>
       <p:cxnSp>
         <p:nvCxnSpPr>
-          <p:cNvPr id="25" name="Straight Connector 24"/>
+          <p:cNvPr id="35" name="Straight Connector 34"/>
           <p:cNvCxnSpPr/>
           <p:nvPr/>
         </p:nvCxnSpPr>
         <p:spPr>
-          <a:xfrm>
-            <a:off x="4480560" y="685800"/>
-            <a:ext cx="0" cy="369332"/>
+          <a:xfrm flipH="1">
+            <a:off x="1981200" y="1055132"/>
+            <a:ext cx="5181600" cy="0"/>
           </a:xfrm>
           <a:prstGeom prst="line">
             <a:avLst/>
@@ -9478,275 +10689,10 @@
           </a:fontRef>
         </p:style>
       </p:cxnSp>
-      <p:cxnSp>
-        <p:nvCxnSpPr>
-          <p:cNvPr id="27" name="Straight Connector 26"/>
-          <p:cNvCxnSpPr/>
-          <p:nvPr/>
-        </p:nvCxnSpPr>
-        <p:spPr>
-          <a:xfrm>
-            <a:off x="4480560" y="685800"/>
-            <a:ext cx="1066800" cy="0"/>
-          </a:xfrm>
-          <a:prstGeom prst="line">
-            <a:avLst/>
-          </a:prstGeom>
-          <a:ln>
-            <a:solidFill>
-              <a:schemeClr val="accent6"/>
-            </a:solidFill>
-          </a:ln>
-        </p:spPr>
-        <p:style>
-          <a:lnRef idx="1">
-            <a:schemeClr val="accent1"/>
-          </a:lnRef>
-          <a:fillRef idx="0">
-            <a:schemeClr val="accent1"/>
-          </a:fillRef>
-          <a:effectRef idx="0">
-            <a:schemeClr val="accent1"/>
-          </a:effectRef>
-          <a:fontRef idx="minor">
-            <a:schemeClr val="tx1"/>
-          </a:fontRef>
-        </p:style>
-      </p:cxnSp>
-      <p:cxnSp>
-        <p:nvCxnSpPr>
-          <p:cNvPr id="30" name="Straight Connector 29"/>
-          <p:cNvCxnSpPr/>
-          <p:nvPr/>
-        </p:nvCxnSpPr>
-        <p:spPr>
-          <a:xfrm>
-            <a:off x="5547360" y="683820"/>
-            <a:ext cx="0" cy="369332"/>
-          </a:xfrm>
-          <a:prstGeom prst="line">
-            <a:avLst/>
-          </a:prstGeom>
-          <a:ln>
-            <a:solidFill>
-              <a:schemeClr val="accent6"/>
-            </a:solidFill>
-          </a:ln>
-        </p:spPr>
-        <p:style>
-          <a:lnRef idx="1">
-            <a:schemeClr val="accent1"/>
-          </a:lnRef>
-          <a:fillRef idx="0">
-            <a:schemeClr val="accent1"/>
-          </a:fillRef>
-          <a:effectRef idx="0">
-            <a:schemeClr val="accent1"/>
-          </a:effectRef>
-          <a:fontRef idx="minor">
-            <a:schemeClr val="tx1"/>
-          </a:fontRef>
-        </p:style>
-      </p:cxnSp>
-      <p:cxnSp>
-        <p:nvCxnSpPr>
-          <p:cNvPr id="35" name="Straight Connector 34"/>
-          <p:cNvCxnSpPr/>
-          <p:nvPr/>
-        </p:nvCxnSpPr>
-        <p:spPr>
-          <a:xfrm flipH="1">
-            <a:off x="1981200" y="1055132"/>
-            <a:ext cx="5181600" cy="0"/>
-          </a:xfrm>
-          <a:prstGeom prst="line">
-            <a:avLst/>
-          </a:prstGeom>
-          <a:ln>
-            <a:solidFill>
-              <a:schemeClr val="accent6"/>
-            </a:solidFill>
-          </a:ln>
-        </p:spPr>
-        <p:style>
-          <a:lnRef idx="1">
-            <a:schemeClr val="accent1"/>
-          </a:lnRef>
-          <a:fillRef idx="0">
-            <a:schemeClr val="accent1"/>
-          </a:fillRef>
-          <a:effectRef idx="0">
-            <a:schemeClr val="accent1"/>
-          </a:effectRef>
-          <a:fontRef idx="minor">
-            <a:schemeClr val="tx1"/>
-          </a:fontRef>
-        </p:style>
-      </p:cxnSp>
-      <p:pic>
-        <p:nvPicPr>
-          <p:cNvPr id="39" name="Picture 38"/>
-          <p:cNvPicPr>
-            <a:picLocks noChangeAspect="1"/>
-          </p:cNvPicPr>
-          <p:nvPr/>
-        </p:nvPicPr>
-        <p:blipFill>
-          <a:blip r:embed="rId2" cstate="print">
-            <a:extLst>
-              <a:ext uri="{28A0092B-C50C-407E-A947-70E740481C1C}">
-                <a14:useLocalDpi xmlns:a14="http://schemas.microsoft.com/office/drawing/2010/main" val="0"/>
-              </a:ext>
-            </a:extLst>
-          </a:blip>
-          <a:stretch>
-            <a:fillRect/>
-          </a:stretch>
-        </p:blipFill>
-        <p:spPr>
-          <a:xfrm>
-            <a:off x="1981200" y="1219200"/>
-            <a:ext cx="1229360" cy="922020"/>
-          </a:xfrm>
-          <a:prstGeom prst="rect">
-            <a:avLst/>
-          </a:prstGeom>
-        </p:spPr>
-      </p:pic>
-      <p:sp>
-        <p:nvSpPr>
-          <p:cNvPr id="40" name="TextBox 39"/>
-          <p:cNvSpPr txBox="1"/>
-          <p:nvPr/>
-        </p:nvSpPr>
-        <p:spPr>
-          <a:xfrm>
-            <a:off x="2015318" y="2286000"/>
-            <a:ext cx="1229360" cy="338554"/>
-          </a:xfrm>
-          <a:prstGeom prst="rect">
-            <a:avLst/>
-          </a:prstGeom>
-          <a:noFill/>
-        </p:spPr>
-        <p:txBody>
-          <a:bodyPr wrap="square" rtlCol="0">
-            <a:spAutoFit/>
-          </a:bodyPr>
-          <a:lstStyle/>
-          <a:p>
-            <a:r>
-              <a:rPr lang="en-US" sz="1600" dirty="0" smtClean="0"/>
-              <a:t>My Story</a:t>
-            </a:r>
-            <a:endParaRPr lang="en-US" sz="1600" dirty="0"/>
-          </a:p>
-        </p:txBody>
-      </p:sp>
-      <p:sp>
-        <p:nvSpPr>
-          <p:cNvPr id="42" name="TextBox 41"/>
-          <p:cNvSpPr txBox="1"/>
-          <p:nvPr/>
-        </p:nvSpPr>
-        <p:spPr>
-          <a:xfrm>
-            <a:off x="2015318" y="2583180"/>
-            <a:ext cx="1489882" cy="584775"/>
-          </a:xfrm>
-          <a:prstGeom prst="rect">
-            <a:avLst/>
-          </a:prstGeom>
-          <a:solidFill>
-            <a:srgbClr val="FFC000"/>
-          </a:solidFill>
-        </p:spPr>
-        <p:txBody>
-          <a:bodyPr wrap="square" rtlCol="0">
-            <a:spAutoFit/>
-          </a:bodyPr>
-          <a:lstStyle/>
-          <a:p>
-            <a:r>
-              <a:rPr lang="en-US" sz="1600" dirty="0" smtClean="0">
-                <a:solidFill>
-                  <a:schemeClr val="bg1"/>
-                </a:solidFill>
-              </a:rPr>
-              <a:t>My Favorite Things</a:t>
-            </a:r>
-            <a:endParaRPr lang="en-US" sz="1600" dirty="0">
-              <a:solidFill>
-                <a:schemeClr val="bg1"/>
-              </a:solidFill>
-            </a:endParaRPr>
-          </a:p>
-        </p:txBody>
-      </p:sp>
-      <p:sp>
-        <p:nvSpPr>
-          <p:cNvPr id="43" name="TextBox 42"/>
-          <p:cNvSpPr txBox="1"/>
-          <p:nvPr/>
-        </p:nvSpPr>
-        <p:spPr>
-          <a:xfrm>
-            <a:off x="2015318" y="3116580"/>
-            <a:ext cx="1229360" cy="338554"/>
-          </a:xfrm>
-          <a:prstGeom prst="rect">
-            <a:avLst/>
-          </a:prstGeom>
-          <a:noFill/>
-        </p:spPr>
-        <p:txBody>
-          <a:bodyPr wrap="square" rtlCol="0">
-            <a:spAutoFit/>
-          </a:bodyPr>
-          <a:lstStyle/>
-          <a:p>
-            <a:r>
-              <a:rPr lang="en-US" sz="1600" dirty="0" smtClean="0"/>
-              <a:t>My Projects</a:t>
-            </a:r>
-            <a:endParaRPr lang="en-US" sz="1600" dirty="0"/>
-          </a:p>
-        </p:txBody>
-      </p:sp>
-      <p:sp>
-        <p:nvSpPr>
-          <p:cNvPr id="47" name="TextBox 46"/>
-          <p:cNvSpPr txBox="1"/>
-          <p:nvPr/>
-        </p:nvSpPr>
-        <p:spPr>
-          <a:xfrm>
-            <a:off x="3596640" y="1219200"/>
-            <a:ext cx="3413760" cy="369332"/>
-          </a:xfrm>
-          <a:prstGeom prst="rect">
-            <a:avLst/>
-          </a:prstGeom>
-          <a:noFill/>
-        </p:spPr>
-        <p:txBody>
-          <a:bodyPr wrap="square" rtlCol="0">
-            <a:spAutoFit/>
-          </a:bodyPr>
-          <a:lstStyle/>
-          <a:p>
-            <a:r>
-              <a:rPr lang="en-US" i="1" dirty="0" smtClean="0"/>
-              <a:t>Blurb</a:t>
-            </a:r>
-            <a:endParaRPr lang="en-US" i="1" dirty="0"/>
-          </a:p>
-        </p:txBody>
-      </p:sp>
     </p:spTree>
     <p:extLst>
       <p:ext uri="{BB962C8B-B14F-4D97-AF65-F5344CB8AC3E}">
-        <p14:creationId xmlns:p14="http://schemas.microsoft.com/office/powerpoint/2010/main" val="2298103351"/>
+        <p14:creationId xmlns:p14="http://schemas.microsoft.com/office/powerpoint/2010/main" xmlns="" val="2298103351"/>
       </p:ext>
     </p:extLst>
   </p:cSld>
@@ -10286,9 +11232,13 @@
           <a:prstGeom prst="rect">
             <a:avLst/>
           </a:prstGeom>
-          <a:noFill/>
+          <a:solidFill>
+            <a:srgbClr val="FFC000"/>
+          </a:solidFill>
           <a:ln>
-            <a:noFill/>
+            <a:solidFill>
+              <a:schemeClr val="accent6"/>
+            </a:solidFill>
           </a:ln>
         </p:spPr>
         <p:txBody>
@@ -10299,10 +11249,18 @@
           <a:p>
             <a:pPr algn="ctr"/>
             <a:r>
-              <a:rPr lang="en-US" dirty="0" smtClean="0"/>
+              <a:rPr lang="en-US" smtClean="0">
+                <a:solidFill>
+                  <a:schemeClr val="bg1"/>
+                </a:solidFill>
+              </a:rPr>
               <a:t>Spencer</a:t>
             </a:r>
-            <a:endParaRPr lang="en-US" dirty="0"/>
+            <a:endParaRPr lang="en-US" dirty="0">
+              <a:solidFill>
+                <a:schemeClr val="bg1"/>
+              </a:solidFill>
+            </a:endParaRPr>
           </a:p>
         </p:txBody>
       </p:sp>
@@ -10401,14 +11359,14 @@
       </p:sp>
       <p:cxnSp>
         <p:nvCxnSpPr>
-          <p:cNvPr id="35" name="Straight Connector 34"/>
+          <p:cNvPr id="25" name="Straight Connector 24"/>
           <p:cNvCxnSpPr/>
           <p:nvPr/>
         </p:nvCxnSpPr>
         <p:spPr>
-          <a:xfrm flipH="1">
-            <a:off x="1981200" y="1055132"/>
-            <a:ext cx="5181600" cy="0"/>
+          <a:xfrm>
+            <a:off x="4480560" y="685800"/>
+            <a:ext cx="0" cy="369332"/>
           </a:xfrm>
           <a:prstGeom prst="line">
             <a:avLst/>
@@ -10434,16 +11392,151 @@
           </a:fontRef>
         </p:style>
       </p:cxnSp>
-      <p:sp>
-        <p:nvSpPr>
-          <p:cNvPr id="47" name="TextBox 46"/>
+      <p:cxnSp>
+        <p:nvCxnSpPr>
+          <p:cNvPr id="27" name="Straight Connector 26"/>
+          <p:cNvCxnSpPr/>
+          <p:nvPr/>
+        </p:nvCxnSpPr>
+        <p:spPr>
+          <a:xfrm>
+            <a:off x="4480560" y="685800"/>
+            <a:ext cx="1066800" cy="0"/>
+          </a:xfrm>
+          <a:prstGeom prst="line">
+            <a:avLst/>
+          </a:prstGeom>
+          <a:ln>
+            <a:solidFill>
+              <a:schemeClr val="accent6"/>
+            </a:solidFill>
+          </a:ln>
+        </p:spPr>
+        <p:style>
+          <a:lnRef idx="1">
+            <a:schemeClr val="accent1"/>
+          </a:lnRef>
+          <a:fillRef idx="0">
+            <a:schemeClr val="accent1"/>
+          </a:fillRef>
+          <a:effectRef idx="0">
+            <a:schemeClr val="accent1"/>
+          </a:effectRef>
+          <a:fontRef idx="minor">
+            <a:schemeClr val="tx1"/>
+          </a:fontRef>
+        </p:style>
+      </p:cxnSp>
+      <p:cxnSp>
+        <p:nvCxnSpPr>
+          <p:cNvPr id="30" name="Straight Connector 29"/>
+          <p:cNvCxnSpPr/>
+          <p:nvPr/>
+        </p:nvCxnSpPr>
+        <p:spPr>
+          <a:xfrm>
+            <a:off x="5547360" y="683820"/>
+            <a:ext cx="0" cy="369332"/>
+          </a:xfrm>
+          <a:prstGeom prst="line">
+            <a:avLst/>
+          </a:prstGeom>
+          <a:ln>
+            <a:solidFill>
+              <a:schemeClr val="accent6"/>
+            </a:solidFill>
+          </a:ln>
+        </p:spPr>
+        <p:style>
+          <a:lnRef idx="1">
+            <a:schemeClr val="accent1"/>
+          </a:lnRef>
+          <a:fillRef idx="0">
+            <a:schemeClr val="accent1"/>
+          </a:fillRef>
+          <a:effectRef idx="0">
+            <a:schemeClr val="accent1"/>
+          </a:effectRef>
+          <a:fontRef idx="minor">
+            <a:schemeClr val="tx1"/>
+          </a:fontRef>
+        </p:style>
+      </p:cxnSp>
+      <p:cxnSp>
+        <p:nvCxnSpPr>
+          <p:cNvPr id="35" name="Straight Connector 34"/>
+          <p:cNvCxnSpPr/>
+          <p:nvPr/>
+        </p:nvCxnSpPr>
+        <p:spPr>
+          <a:xfrm flipH="1">
+            <a:off x="1981200" y="1055132"/>
+            <a:ext cx="5181600" cy="0"/>
+          </a:xfrm>
+          <a:prstGeom prst="line">
+            <a:avLst/>
+          </a:prstGeom>
+          <a:ln>
+            <a:solidFill>
+              <a:schemeClr val="accent6"/>
+            </a:solidFill>
+          </a:ln>
+        </p:spPr>
+        <p:style>
+          <a:lnRef idx="1">
+            <a:schemeClr val="accent1"/>
+          </a:lnRef>
+          <a:fillRef idx="0">
+            <a:schemeClr val="accent1"/>
+          </a:fillRef>
+          <a:effectRef idx="0">
+            <a:schemeClr val="accent1"/>
+          </a:effectRef>
+          <a:fontRef idx="minor">
+            <a:schemeClr val="tx1"/>
+          </a:fontRef>
+        </p:style>
+      </p:cxnSp>
+      <p:pic>
+        <p:nvPicPr>
+          <p:cNvPr id="39" name="Picture 38"/>
+          <p:cNvPicPr>
+            <a:picLocks noChangeAspect="1"/>
+          </p:cNvPicPr>
+          <p:nvPr/>
+        </p:nvPicPr>
+        <p:blipFill>
+          <a:blip r:embed="rId2" cstate="print">
+            <a:extLst>
+              <a:ext uri="{28A0092B-C50C-407E-A947-70E740481C1C}">
+                <a14:useLocalDpi xmlns:a14="http://schemas.microsoft.com/office/drawing/2010/main" xmlns="" val="0"/>
+              </a:ext>
+            </a:extLst>
+          </a:blip>
+          <a:stretch>
+            <a:fillRect/>
+          </a:stretch>
+        </p:blipFill>
+        <p:spPr>
+          <a:xfrm>
+            <a:off x="1981200" y="1219200"/>
+            <a:ext cx="1229360" cy="922020"/>
+          </a:xfrm>
+          <a:prstGeom prst="rect">
+            <a:avLst/>
+          </a:prstGeom>
+        </p:spPr>
+      </p:pic>
+      <p:sp>
+        <p:nvSpPr>
+          <p:cNvPr id="40" name="TextBox 39"/>
           <p:cNvSpPr txBox="1"/>
           <p:nvPr/>
         </p:nvSpPr>
         <p:spPr>
           <a:xfrm>
-            <a:off x="3596640" y="1219200"/>
-            <a:ext cx="3413760" cy="369332"/>
+            <a:off x="2015318" y="2286000"/>
+            <a:ext cx="1229360" cy="338554"/>
           </a:xfrm>
           <a:prstGeom prst="rect">
             <a:avLst/>
@@ -10457,8 +11550,108 @@
           <a:lstStyle/>
           <a:p>
             <a:r>
+              <a:rPr lang="en-US" sz="1600" dirty="0" smtClean="0"/>
+              <a:t>My Story</a:t>
+            </a:r>
+            <a:endParaRPr lang="en-US" sz="1600" dirty="0"/>
+          </a:p>
+        </p:txBody>
+      </p:sp>
+      <p:sp>
+        <p:nvSpPr>
+          <p:cNvPr id="42" name="TextBox 41"/>
+          <p:cNvSpPr txBox="1"/>
+          <p:nvPr/>
+        </p:nvSpPr>
+        <p:spPr>
+          <a:xfrm>
+            <a:off x="2015318" y="2583180"/>
+            <a:ext cx="1489882" cy="584775"/>
+          </a:xfrm>
+          <a:prstGeom prst="rect">
+            <a:avLst/>
+          </a:prstGeom>
+          <a:solidFill>
+            <a:srgbClr val="FFC000"/>
+          </a:solidFill>
+        </p:spPr>
+        <p:txBody>
+          <a:bodyPr wrap="square" rtlCol="0">
+            <a:spAutoFit/>
+          </a:bodyPr>
+          <a:lstStyle/>
+          <a:p>
+            <a:r>
+              <a:rPr lang="en-US" sz="1600" dirty="0" smtClean="0">
+                <a:solidFill>
+                  <a:schemeClr val="bg1"/>
+                </a:solidFill>
+              </a:rPr>
+              <a:t>My Favorite Things</a:t>
+            </a:r>
+            <a:endParaRPr lang="en-US" sz="1600" dirty="0">
+              <a:solidFill>
+                <a:schemeClr val="bg1"/>
+              </a:solidFill>
+            </a:endParaRPr>
+          </a:p>
+        </p:txBody>
+      </p:sp>
+      <p:sp>
+        <p:nvSpPr>
+          <p:cNvPr id="43" name="TextBox 42"/>
+          <p:cNvSpPr txBox="1"/>
+          <p:nvPr/>
+        </p:nvSpPr>
+        <p:spPr>
+          <a:xfrm>
+            <a:off x="2015318" y="3116580"/>
+            <a:ext cx="1229360" cy="338554"/>
+          </a:xfrm>
+          <a:prstGeom prst="rect">
+            <a:avLst/>
+          </a:prstGeom>
+          <a:noFill/>
+        </p:spPr>
+        <p:txBody>
+          <a:bodyPr wrap="square" rtlCol="0">
+            <a:spAutoFit/>
+          </a:bodyPr>
+          <a:lstStyle/>
+          <a:p>
+            <a:r>
+              <a:rPr lang="en-US" sz="1600" dirty="0" smtClean="0"/>
+              <a:t>My Projects</a:t>
+            </a:r>
+            <a:endParaRPr lang="en-US" sz="1600" dirty="0"/>
+          </a:p>
+        </p:txBody>
+      </p:sp>
+      <p:sp>
+        <p:nvSpPr>
+          <p:cNvPr id="47" name="TextBox 46"/>
+          <p:cNvSpPr txBox="1"/>
+          <p:nvPr/>
+        </p:nvSpPr>
+        <p:spPr>
+          <a:xfrm>
+            <a:off x="3596640" y="1219200"/>
+            <a:ext cx="3413760" cy="369332"/>
+          </a:xfrm>
+          <a:prstGeom prst="rect">
+            <a:avLst/>
+          </a:prstGeom>
+          <a:noFill/>
+        </p:spPr>
+        <p:txBody>
+          <a:bodyPr wrap="square" rtlCol="0">
+            <a:spAutoFit/>
+          </a:bodyPr>
+          <a:lstStyle/>
+          <a:p>
+            <a:r>
               <a:rPr lang="en-US" i="1" dirty="0" smtClean="0"/>
-              <a:t>ABOUT PAGE</a:t>
+              <a:t>Blurb</a:t>
             </a:r>
             <a:endParaRPr lang="en-US" i="1" dirty="0"/>
           </a:p>
@@ -10467,7 +11660,728 @@
     </p:spTree>
     <p:extLst>
       <p:ext uri="{BB962C8B-B14F-4D97-AF65-F5344CB8AC3E}">
-        <p14:creationId xmlns:p14="http://schemas.microsoft.com/office/powerpoint/2010/main" val="3845809672"/>
+        <p14:creationId xmlns:p14="http://schemas.microsoft.com/office/powerpoint/2010/main" xmlns="" val="2298103351"/>
+      </p:ext>
+    </p:extLst>
+  </p:cSld>
+  <p:clrMapOvr>
+    <a:masterClrMapping/>
+  </p:clrMapOvr>
+</p:sld>
+</file>
+
+<file path=ppt/slides/slide9.xml><?xml version="1.0" encoding="utf-8"?>
+<p:sld xmlns:a="http://schemas.openxmlformats.org/drawingml/2006/main" xmlns:r="http://schemas.openxmlformats.org/officeDocument/2006/relationships" xmlns:p="http://schemas.openxmlformats.org/presentationml/2006/main">
+  <p:cSld>
+    <p:spTree>
+      <p:nvGrpSpPr>
+        <p:cNvPr id="1" name=""/>
+        <p:cNvGrpSpPr/>
+        <p:nvPr/>
+      </p:nvGrpSpPr>
+      <p:grpSpPr>
+        <a:xfrm>
+          <a:off x="0" y="0"/>
+          <a:ext cx="0" cy="0"/>
+          <a:chOff x="0" y="0"/>
+          <a:chExt cx="0" cy="0"/>
+        </a:xfrm>
+      </p:grpSpPr>
+      <p:sp>
+        <p:nvSpPr>
+          <p:cNvPr id="4" name="Rectangle 3"/>
+          <p:cNvSpPr/>
+          <p:nvPr/>
+        </p:nvSpPr>
+        <p:spPr>
+          <a:xfrm>
+            <a:off x="0" y="0"/>
+            <a:ext cx="1828800" cy="6858000"/>
+          </a:xfrm>
+          <a:prstGeom prst="rect">
+            <a:avLst/>
+          </a:prstGeom>
+          <a:solidFill>
+            <a:schemeClr val="tx2">
+              <a:lumMod val="75000"/>
+            </a:schemeClr>
+          </a:solidFill>
+          <a:ln>
+            <a:solidFill>
+              <a:schemeClr val="tx2">
+                <a:lumMod val="75000"/>
+              </a:schemeClr>
+            </a:solidFill>
+          </a:ln>
+        </p:spPr>
+        <p:style>
+          <a:lnRef idx="2">
+            <a:schemeClr val="accent1">
+              <a:shade val="50000"/>
+            </a:schemeClr>
+          </a:lnRef>
+          <a:fillRef idx="1">
+            <a:schemeClr val="accent1"/>
+          </a:fillRef>
+          <a:effectRef idx="0">
+            <a:schemeClr val="accent1"/>
+          </a:effectRef>
+          <a:fontRef idx="minor">
+            <a:schemeClr val="lt1"/>
+          </a:fontRef>
+        </p:style>
+        <p:txBody>
+          <a:bodyPr rtlCol="0" anchor="ctr"/>
+          <a:lstStyle/>
+          <a:p>
+            <a:pPr algn="ctr"/>
+            <a:endParaRPr lang="en-US"/>
+          </a:p>
+        </p:txBody>
+      </p:sp>
+      <p:sp>
+        <p:nvSpPr>
+          <p:cNvPr id="5" name="Rectangle 4"/>
+          <p:cNvSpPr/>
+          <p:nvPr/>
+        </p:nvSpPr>
+        <p:spPr>
+          <a:xfrm>
+            <a:off x="7315200" y="0"/>
+            <a:ext cx="1828800" cy="6858000"/>
+          </a:xfrm>
+          <a:prstGeom prst="rect">
+            <a:avLst/>
+          </a:prstGeom>
+          <a:solidFill>
+            <a:schemeClr val="tx2">
+              <a:lumMod val="75000"/>
+            </a:schemeClr>
+          </a:solidFill>
+          <a:ln>
+            <a:solidFill>
+              <a:schemeClr val="tx2">
+                <a:lumMod val="75000"/>
+              </a:schemeClr>
+            </a:solidFill>
+          </a:ln>
+        </p:spPr>
+        <p:style>
+          <a:lnRef idx="2">
+            <a:schemeClr val="accent1">
+              <a:shade val="50000"/>
+            </a:schemeClr>
+          </a:lnRef>
+          <a:fillRef idx="1">
+            <a:schemeClr val="accent1"/>
+          </a:fillRef>
+          <a:effectRef idx="0">
+            <a:schemeClr val="accent1"/>
+          </a:effectRef>
+          <a:fontRef idx="minor">
+            <a:schemeClr val="lt1"/>
+          </a:fontRef>
+        </p:style>
+        <p:txBody>
+          <a:bodyPr rtlCol="0" anchor="ctr"/>
+          <a:lstStyle/>
+          <a:p>
+            <a:pPr algn="ctr"/>
+            <a:endParaRPr lang="en-US"/>
+          </a:p>
+        </p:txBody>
+      </p:sp>
+      <p:cxnSp>
+        <p:nvCxnSpPr>
+          <p:cNvPr id="8" name="Straight Connector 7"/>
+          <p:cNvCxnSpPr/>
+          <p:nvPr/>
+        </p:nvCxnSpPr>
+        <p:spPr>
+          <a:xfrm>
+            <a:off x="1981200" y="76200"/>
+            <a:ext cx="5181600" cy="0"/>
+          </a:xfrm>
+          <a:prstGeom prst="line">
+            <a:avLst/>
+          </a:prstGeom>
+          <a:ln w="76200">
+            <a:solidFill>
+              <a:schemeClr val="tx2">
+                <a:lumMod val="75000"/>
+              </a:schemeClr>
+            </a:solidFill>
+          </a:ln>
+        </p:spPr>
+        <p:style>
+          <a:lnRef idx="1">
+            <a:schemeClr val="accent1"/>
+          </a:lnRef>
+          <a:fillRef idx="0">
+            <a:schemeClr val="accent1"/>
+          </a:fillRef>
+          <a:effectRef idx="0">
+            <a:schemeClr val="accent1"/>
+          </a:effectRef>
+          <a:fontRef idx="minor">
+            <a:schemeClr val="tx1"/>
+          </a:fontRef>
+        </p:style>
+      </p:cxnSp>
+      <p:cxnSp>
+        <p:nvCxnSpPr>
+          <p:cNvPr id="9" name="Straight Connector 8"/>
+          <p:cNvCxnSpPr/>
+          <p:nvPr/>
+        </p:nvCxnSpPr>
+        <p:spPr>
+          <a:xfrm>
+            <a:off x="1981200" y="165066"/>
+            <a:ext cx="5181600" cy="0"/>
+          </a:xfrm>
+          <a:prstGeom prst="line">
+            <a:avLst/>
+          </a:prstGeom>
+          <a:ln w="57150">
+            <a:solidFill>
+              <a:schemeClr val="tx2">
+                <a:lumMod val="75000"/>
+              </a:schemeClr>
+            </a:solidFill>
+          </a:ln>
+        </p:spPr>
+        <p:style>
+          <a:lnRef idx="1">
+            <a:schemeClr val="accent1"/>
+          </a:lnRef>
+          <a:fillRef idx="0">
+            <a:schemeClr val="accent1"/>
+          </a:fillRef>
+          <a:effectRef idx="0">
+            <a:schemeClr val="accent1"/>
+          </a:effectRef>
+          <a:fontRef idx="minor">
+            <a:schemeClr val="tx1"/>
+          </a:fontRef>
+        </p:style>
+      </p:cxnSp>
+      <p:cxnSp>
+        <p:nvCxnSpPr>
+          <p:cNvPr id="10" name="Straight Connector 9"/>
+          <p:cNvCxnSpPr/>
+          <p:nvPr/>
+        </p:nvCxnSpPr>
+        <p:spPr>
+          <a:xfrm>
+            <a:off x="1981200" y="252070"/>
+            <a:ext cx="5181600" cy="0"/>
+          </a:xfrm>
+          <a:prstGeom prst="line">
+            <a:avLst/>
+          </a:prstGeom>
+          <a:ln w="38100">
+            <a:solidFill>
+              <a:schemeClr val="tx2">
+                <a:lumMod val="75000"/>
+              </a:schemeClr>
+            </a:solidFill>
+          </a:ln>
+        </p:spPr>
+        <p:style>
+          <a:lnRef idx="1">
+            <a:schemeClr val="accent1"/>
+          </a:lnRef>
+          <a:fillRef idx="0">
+            <a:schemeClr val="accent1"/>
+          </a:fillRef>
+          <a:effectRef idx="0">
+            <a:schemeClr val="accent1"/>
+          </a:effectRef>
+          <a:fontRef idx="minor">
+            <a:schemeClr val="tx1"/>
+          </a:fontRef>
+        </p:style>
+      </p:cxnSp>
+      <p:cxnSp>
+        <p:nvCxnSpPr>
+          <p:cNvPr id="11" name="Straight Connector 10"/>
+          <p:cNvCxnSpPr/>
+          <p:nvPr/>
+        </p:nvCxnSpPr>
+        <p:spPr>
+          <a:xfrm>
+            <a:off x="1981200" y="326848"/>
+            <a:ext cx="5181600" cy="0"/>
+          </a:xfrm>
+          <a:prstGeom prst="line">
+            <a:avLst/>
+          </a:prstGeom>
+          <a:ln w="28575">
+            <a:solidFill>
+              <a:schemeClr val="tx2">
+                <a:lumMod val="75000"/>
+              </a:schemeClr>
+            </a:solidFill>
+          </a:ln>
+        </p:spPr>
+        <p:style>
+          <a:lnRef idx="1">
+            <a:schemeClr val="accent1"/>
+          </a:lnRef>
+          <a:fillRef idx="0">
+            <a:schemeClr val="accent1"/>
+          </a:fillRef>
+          <a:effectRef idx="0">
+            <a:schemeClr val="accent1"/>
+          </a:effectRef>
+          <a:fontRef idx="minor">
+            <a:schemeClr val="tx1"/>
+          </a:fontRef>
+        </p:style>
+      </p:cxnSp>
+      <p:cxnSp>
+        <p:nvCxnSpPr>
+          <p:cNvPr id="12" name="Straight Connector 11"/>
+          <p:cNvCxnSpPr/>
+          <p:nvPr/>
+        </p:nvCxnSpPr>
+        <p:spPr>
+          <a:xfrm>
+            <a:off x="1981200" y="394802"/>
+            <a:ext cx="5181600" cy="0"/>
+          </a:xfrm>
+          <a:prstGeom prst="line">
+            <a:avLst/>
+          </a:prstGeom>
+          <a:ln w="19050">
+            <a:solidFill>
+              <a:schemeClr val="tx2">
+                <a:lumMod val="75000"/>
+              </a:schemeClr>
+            </a:solidFill>
+          </a:ln>
+        </p:spPr>
+        <p:style>
+          <a:lnRef idx="1">
+            <a:schemeClr val="accent1"/>
+          </a:lnRef>
+          <a:fillRef idx="0">
+            <a:schemeClr val="accent1"/>
+          </a:fillRef>
+          <a:effectRef idx="0">
+            <a:schemeClr val="accent1"/>
+          </a:effectRef>
+          <a:fontRef idx="minor">
+            <a:schemeClr val="tx1"/>
+          </a:fontRef>
+        </p:style>
+      </p:cxnSp>
+      <p:cxnSp>
+        <p:nvCxnSpPr>
+          <p:cNvPr id="13" name="Straight Connector 12"/>
+          <p:cNvCxnSpPr/>
+          <p:nvPr/>
+        </p:nvCxnSpPr>
+        <p:spPr>
+          <a:xfrm>
+            <a:off x="1981200" y="455932"/>
+            <a:ext cx="5181600" cy="0"/>
+          </a:xfrm>
+          <a:prstGeom prst="line">
+            <a:avLst/>
+          </a:prstGeom>
+          <a:ln w="12700">
+            <a:solidFill>
+              <a:schemeClr val="tx2">
+                <a:lumMod val="75000"/>
+              </a:schemeClr>
+            </a:solidFill>
+          </a:ln>
+        </p:spPr>
+        <p:style>
+          <a:lnRef idx="1">
+            <a:schemeClr val="accent1"/>
+          </a:lnRef>
+          <a:fillRef idx="0">
+            <a:schemeClr val="accent1"/>
+          </a:fillRef>
+          <a:effectRef idx="0">
+            <a:schemeClr val="accent1"/>
+          </a:effectRef>
+          <a:fontRef idx="minor">
+            <a:schemeClr val="tx1"/>
+          </a:fontRef>
+        </p:style>
+      </p:cxnSp>
+      <p:cxnSp>
+        <p:nvCxnSpPr>
+          <p:cNvPr id="14" name="Straight Connector 13"/>
+          <p:cNvCxnSpPr/>
+          <p:nvPr/>
+        </p:nvCxnSpPr>
+        <p:spPr>
+          <a:xfrm>
+            <a:off x="1981200" y="503414"/>
+            <a:ext cx="5181600" cy="0"/>
+          </a:xfrm>
+          <a:prstGeom prst="line">
+            <a:avLst/>
+          </a:prstGeom>
+          <a:ln w="9525">
+            <a:solidFill>
+              <a:schemeClr val="tx2">
+                <a:lumMod val="75000"/>
+              </a:schemeClr>
+            </a:solidFill>
+          </a:ln>
+        </p:spPr>
+        <p:style>
+          <a:lnRef idx="1">
+            <a:schemeClr val="accent1"/>
+          </a:lnRef>
+          <a:fillRef idx="0">
+            <a:schemeClr val="accent1"/>
+          </a:fillRef>
+          <a:effectRef idx="0">
+            <a:schemeClr val="accent1"/>
+          </a:effectRef>
+          <a:fontRef idx="minor">
+            <a:schemeClr val="tx1"/>
+          </a:fontRef>
+        </p:style>
+      </p:cxnSp>
+      <p:cxnSp>
+        <p:nvCxnSpPr>
+          <p:cNvPr id="15" name="Straight Connector 14"/>
+          <p:cNvCxnSpPr/>
+          <p:nvPr/>
+        </p:nvCxnSpPr>
+        <p:spPr>
+          <a:xfrm>
+            <a:off x="1981200" y="550896"/>
+            <a:ext cx="5181600" cy="0"/>
+          </a:xfrm>
+          <a:prstGeom prst="line">
+            <a:avLst/>
+          </a:prstGeom>
+          <a:ln w="6350">
+            <a:solidFill>
+              <a:schemeClr val="tx2">
+                <a:lumMod val="75000"/>
+              </a:schemeClr>
+            </a:solidFill>
+          </a:ln>
+        </p:spPr>
+        <p:style>
+          <a:lnRef idx="1">
+            <a:schemeClr val="accent1"/>
+          </a:lnRef>
+          <a:fillRef idx="0">
+            <a:schemeClr val="accent1"/>
+          </a:fillRef>
+          <a:effectRef idx="0">
+            <a:schemeClr val="accent1"/>
+          </a:effectRef>
+          <a:fontRef idx="minor">
+            <a:schemeClr val="tx1"/>
+          </a:fontRef>
+        </p:style>
+      </p:cxnSp>
+      <p:cxnSp>
+        <p:nvCxnSpPr>
+          <p:cNvPr id="16" name="Straight Connector 15"/>
+          <p:cNvCxnSpPr/>
+          <p:nvPr/>
+        </p:nvCxnSpPr>
+        <p:spPr>
+          <a:xfrm>
+            <a:off x="1981200" y="598378"/>
+            <a:ext cx="5181600" cy="0"/>
+          </a:xfrm>
+          <a:prstGeom prst="line">
+            <a:avLst/>
+          </a:prstGeom>
+          <a:ln w="3175">
+            <a:solidFill>
+              <a:schemeClr val="tx2">
+                <a:lumMod val="75000"/>
+              </a:schemeClr>
+            </a:solidFill>
+          </a:ln>
+        </p:spPr>
+        <p:style>
+          <a:lnRef idx="1">
+            <a:schemeClr val="accent1"/>
+          </a:lnRef>
+          <a:fillRef idx="0">
+            <a:schemeClr val="accent1"/>
+          </a:fillRef>
+          <a:effectRef idx="0">
+            <a:schemeClr val="accent1"/>
+          </a:effectRef>
+          <a:fontRef idx="minor">
+            <a:schemeClr val="tx1"/>
+          </a:fontRef>
+        </p:style>
+      </p:cxnSp>
+      <p:sp>
+        <p:nvSpPr>
+          <p:cNvPr id="17" name="TextBox 16"/>
+          <p:cNvSpPr txBox="1"/>
+          <p:nvPr/>
+        </p:nvSpPr>
+        <p:spPr>
+          <a:xfrm>
+            <a:off x="1828800" y="685800"/>
+            <a:ext cx="1066800" cy="369332"/>
+          </a:xfrm>
+          <a:prstGeom prst="rect">
+            <a:avLst/>
+          </a:prstGeom>
+          <a:noFill/>
+        </p:spPr>
+        <p:txBody>
+          <a:bodyPr wrap="square" rtlCol="0">
+            <a:spAutoFit/>
+          </a:bodyPr>
+          <a:lstStyle/>
+          <a:p>
+            <a:pPr algn="ctr"/>
+            <a:r>
+              <a:rPr lang="en-US" dirty="0" smtClean="0"/>
+              <a:t>Home</a:t>
+            </a:r>
+            <a:endParaRPr lang="en-US" dirty="0"/>
+          </a:p>
+        </p:txBody>
+      </p:sp>
+      <p:sp>
+        <p:nvSpPr>
+          <p:cNvPr id="18" name="TextBox 17"/>
+          <p:cNvSpPr txBox="1"/>
+          <p:nvPr/>
+        </p:nvSpPr>
+        <p:spPr>
+          <a:xfrm>
+            <a:off x="3596640" y="685800"/>
+            <a:ext cx="1066800" cy="369332"/>
+          </a:xfrm>
+          <a:prstGeom prst="rect">
+            <a:avLst/>
+          </a:prstGeom>
+          <a:noFill/>
+        </p:spPr>
+        <p:txBody>
+          <a:bodyPr wrap="square" rtlCol="0">
+            <a:spAutoFit/>
+          </a:bodyPr>
+          <a:lstStyle/>
+          <a:p>
+            <a:pPr algn="ctr"/>
+            <a:r>
+              <a:rPr lang="en-US" dirty="0" smtClean="0"/>
+              <a:t>Brian</a:t>
+            </a:r>
+            <a:endParaRPr lang="en-US" dirty="0"/>
+          </a:p>
+        </p:txBody>
+      </p:sp>
+      <p:sp>
+        <p:nvSpPr>
+          <p:cNvPr id="19" name="TextBox 18"/>
+          <p:cNvSpPr txBox="1"/>
+          <p:nvPr/>
+        </p:nvSpPr>
+        <p:spPr>
+          <a:xfrm>
+            <a:off x="4480560" y="685800"/>
+            <a:ext cx="1066800" cy="369332"/>
+          </a:xfrm>
+          <a:prstGeom prst="rect">
+            <a:avLst/>
+          </a:prstGeom>
+          <a:noFill/>
+          <a:ln>
+            <a:noFill/>
+          </a:ln>
+        </p:spPr>
+        <p:txBody>
+          <a:bodyPr wrap="square" rtlCol="0">
+            <a:spAutoFit/>
+          </a:bodyPr>
+          <a:lstStyle/>
+          <a:p>
+            <a:pPr algn="ctr"/>
+            <a:r>
+              <a:rPr lang="en-US" dirty="0" smtClean="0"/>
+              <a:t>Spencer</a:t>
+            </a:r>
+            <a:endParaRPr lang="en-US" dirty="0"/>
+          </a:p>
+        </p:txBody>
+      </p:sp>
+      <p:sp>
+        <p:nvSpPr>
+          <p:cNvPr id="20" name="TextBox 19"/>
+          <p:cNvSpPr txBox="1"/>
+          <p:nvPr/>
+        </p:nvSpPr>
+        <p:spPr>
+          <a:xfrm>
+            <a:off x="5364480" y="685800"/>
+            <a:ext cx="1066800" cy="369332"/>
+          </a:xfrm>
+          <a:prstGeom prst="rect">
+            <a:avLst/>
+          </a:prstGeom>
+          <a:noFill/>
+        </p:spPr>
+        <p:txBody>
+          <a:bodyPr wrap="square" rtlCol="0">
+            <a:spAutoFit/>
+          </a:bodyPr>
+          <a:lstStyle/>
+          <a:p>
+            <a:pPr algn="ctr"/>
+            <a:r>
+              <a:rPr lang="en-US" dirty="0" smtClean="0"/>
+              <a:t>Mark</a:t>
+            </a:r>
+            <a:endParaRPr lang="en-US" dirty="0"/>
+          </a:p>
+        </p:txBody>
+      </p:sp>
+      <p:sp>
+        <p:nvSpPr>
+          <p:cNvPr id="21" name="TextBox 20"/>
+          <p:cNvSpPr txBox="1"/>
+          <p:nvPr/>
+        </p:nvSpPr>
+        <p:spPr>
+          <a:xfrm>
+            <a:off x="6248400" y="685800"/>
+            <a:ext cx="1066800" cy="369332"/>
+          </a:xfrm>
+          <a:prstGeom prst="rect">
+            <a:avLst/>
+          </a:prstGeom>
+          <a:noFill/>
+        </p:spPr>
+        <p:txBody>
+          <a:bodyPr wrap="square" rtlCol="0">
+            <a:spAutoFit/>
+          </a:bodyPr>
+          <a:lstStyle/>
+          <a:p>
+            <a:pPr algn="ctr"/>
+            <a:r>
+              <a:rPr lang="en-US" dirty="0" smtClean="0"/>
+              <a:t>Store</a:t>
+            </a:r>
+            <a:endParaRPr lang="en-US" dirty="0"/>
+          </a:p>
+        </p:txBody>
+      </p:sp>
+      <p:sp>
+        <p:nvSpPr>
+          <p:cNvPr id="22" name="TextBox 21"/>
+          <p:cNvSpPr txBox="1"/>
+          <p:nvPr/>
+        </p:nvSpPr>
+        <p:spPr>
+          <a:xfrm>
+            <a:off x="2712720" y="685800"/>
+            <a:ext cx="1066800" cy="369332"/>
+          </a:xfrm>
+          <a:prstGeom prst="rect">
+            <a:avLst/>
+          </a:prstGeom>
+          <a:noFill/>
+        </p:spPr>
+        <p:txBody>
+          <a:bodyPr wrap="square" rtlCol="0">
+            <a:spAutoFit/>
+          </a:bodyPr>
+          <a:lstStyle/>
+          <a:p>
+            <a:pPr algn="ctr"/>
+            <a:r>
+              <a:rPr lang="en-US" dirty="0" smtClean="0"/>
+              <a:t>Blog</a:t>
+            </a:r>
+            <a:endParaRPr lang="en-US" dirty="0"/>
+          </a:p>
+        </p:txBody>
+      </p:sp>
+      <p:cxnSp>
+        <p:nvCxnSpPr>
+          <p:cNvPr id="35" name="Straight Connector 34"/>
+          <p:cNvCxnSpPr/>
+          <p:nvPr/>
+        </p:nvCxnSpPr>
+        <p:spPr>
+          <a:xfrm flipH="1">
+            <a:off x="1981200" y="1055132"/>
+            <a:ext cx="5181600" cy="0"/>
+          </a:xfrm>
+          <a:prstGeom prst="line">
+            <a:avLst/>
+          </a:prstGeom>
+          <a:ln>
+            <a:solidFill>
+              <a:schemeClr val="accent6"/>
+            </a:solidFill>
+          </a:ln>
+        </p:spPr>
+        <p:style>
+          <a:lnRef idx="1">
+            <a:schemeClr val="accent1"/>
+          </a:lnRef>
+          <a:fillRef idx="0">
+            <a:schemeClr val="accent1"/>
+          </a:fillRef>
+          <a:effectRef idx="0">
+            <a:schemeClr val="accent1"/>
+          </a:effectRef>
+          <a:fontRef idx="minor">
+            <a:schemeClr val="tx1"/>
+          </a:fontRef>
+        </p:style>
+      </p:cxnSp>
+      <p:sp>
+        <p:nvSpPr>
+          <p:cNvPr id="47" name="TextBox 46"/>
+          <p:cNvSpPr txBox="1"/>
+          <p:nvPr/>
+        </p:nvSpPr>
+        <p:spPr>
+          <a:xfrm>
+            <a:off x="3596640" y="1219200"/>
+            <a:ext cx="3413760" cy="369332"/>
+          </a:xfrm>
+          <a:prstGeom prst="rect">
+            <a:avLst/>
+          </a:prstGeom>
+          <a:noFill/>
+        </p:spPr>
+        <p:txBody>
+          <a:bodyPr wrap="square" rtlCol="0">
+            <a:spAutoFit/>
+          </a:bodyPr>
+          <a:lstStyle/>
+          <a:p>
+            <a:r>
+              <a:rPr lang="en-US" i="1" dirty="0" smtClean="0"/>
+              <a:t>ABOUT PAGE</a:t>
+            </a:r>
+            <a:endParaRPr lang="en-US" i="1" dirty="0"/>
+          </a:p>
+        </p:txBody>
+      </p:sp>
+    </p:spTree>
+    <p:extLst>
+      <p:ext uri="{BB962C8B-B14F-4D97-AF65-F5344CB8AC3E}">
+        <p14:creationId xmlns:p14="http://schemas.microsoft.com/office/powerpoint/2010/main" xmlns="" val="3845809672"/>
       </p:ext>
     </p:extLst>
   </p:cSld>
@@ -10760,4 +12674,287 @@
   <a:objectDefaults/>
   <a:extraClrSchemeLst/>
 </a:theme>
+</file>
+
+<file path=ppt/theme/theme2.xml><?xml version="1.0" encoding="utf-8"?>
+<a:theme xmlns:a="http://schemas.openxmlformats.org/drawingml/2006/main" name="Office Theme">
+  <a:themeElements>
+    <a:clrScheme name="Office">
+      <a:dk1>
+        <a:sysClr val="windowText" lastClr="000000"/>
+      </a:dk1>
+      <a:lt1>
+        <a:sysClr val="window" lastClr="FFFFFF"/>
+      </a:lt1>
+      <a:dk2>
+        <a:srgbClr val="1F497D"/>
+      </a:dk2>
+      <a:lt2>
+        <a:srgbClr val="EEECE1"/>
+      </a:lt2>
+      <a:accent1>
+        <a:srgbClr val="4F81BD"/>
+      </a:accent1>
+      <a:accent2>
+        <a:srgbClr val="C0504D"/>
+      </a:accent2>
+      <a:accent3>
+        <a:srgbClr val="9BBB59"/>
+      </a:accent3>
+      <a:accent4>
+        <a:srgbClr val="8064A2"/>
+      </a:accent4>
+      <a:accent5>
+        <a:srgbClr val="4BACC6"/>
+      </a:accent5>
+      <a:accent6>
+        <a:srgbClr val="F79646"/>
+      </a:accent6>
+      <a:hlink>
+        <a:srgbClr val="0000FF"/>
+      </a:hlink>
+      <a:folHlink>
+        <a:srgbClr val="800080"/>
+      </a:folHlink>
+    </a:clrScheme>
+    <a:fontScheme name="Office">
+      <a:majorFont>
+        <a:latin typeface="Calibri"/>
+        <a:ea typeface=""/>
+        <a:cs typeface=""/>
+        <a:font script="Jpan" typeface="ＭＳ Ｐゴシック"/>
+        <a:font script="Hang" typeface="맑은 고딕"/>
+        <a:font script="Hans" typeface="宋体"/>
+        <a:font script="Hant" typeface="新細明體"/>
+        <a:font script="Arab" typeface="Times New Roman"/>
+        <a:font script="Hebr" typeface="Times New Roman"/>
+        <a:font script="Thai" typeface="Angsana New"/>
+        <a:font script="Ethi" typeface="Nyala"/>
+        <a:font script="Beng" typeface="Vrinda"/>
+        <a:font script="Gujr" typeface="Shruti"/>
+        <a:font script="Khmr" typeface="MoolBoran"/>
+        <a:font script="Knda" typeface="Tunga"/>
+        <a:font script="Guru" typeface="Raavi"/>
+        <a:font script="Cans" typeface="Euphemia"/>
+        <a:font script="Cher" typeface="Plantagenet Cherokee"/>
+        <a:font script="Yiii" typeface="Microsoft Yi Baiti"/>
+        <a:font script="Tibt" typeface="Microsoft Himalaya"/>
+        <a:font script="Thaa" typeface="MV Boli"/>
+        <a:font script="Deva" typeface="Mangal"/>
+        <a:font script="Telu" typeface="Gautami"/>
+        <a:font script="Taml" typeface="Latha"/>
+        <a:font script="Syrc" typeface="Estrangelo Edessa"/>
+        <a:font script="Orya" typeface="Kalinga"/>
+        <a:font script="Mlym" typeface="Kartika"/>
+        <a:font script="Laoo" typeface="DokChampa"/>
+        <a:font script="Sinh" typeface="Iskoola Pota"/>
+        <a:font script="Mong" typeface="Mongolian Baiti"/>
+        <a:font script="Viet" typeface="Times New Roman"/>
+        <a:font script="Uigh" typeface="Microsoft Uighur"/>
+      </a:majorFont>
+      <a:minorFont>
+        <a:latin typeface="Calibri"/>
+        <a:ea typeface=""/>
+        <a:cs typeface=""/>
+        <a:font script="Jpan" typeface="ＭＳ Ｐゴシック"/>
+        <a:font script="Hang" typeface="맑은 고딕"/>
+        <a:font script="Hans" typeface="宋体"/>
+        <a:font script="Hant" typeface="新細明體"/>
+        <a:font script="Arab" typeface="Arial"/>
+        <a:font script="Hebr" typeface="Arial"/>
+        <a:font script="Thai" typeface="Cordia New"/>
+        <a:font script="Ethi" typeface="Nyala"/>
+        <a:font script="Beng" typeface="Vrinda"/>
+        <a:font script="Gujr" typeface="Shruti"/>
+        <a:font script="Khmr" typeface="DaunPenh"/>
+        <a:font script="Knda" typeface="Tunga"/>
+        <a:font script="Guru" typeface="Raavi"/>
+        <a:font script="Cans" typeface="Euphemia"/>
+        <a:font script="Cher" typeface="Plantagenet Cherokee"/>
+        <a:font script="Yiii" typeface="Microsoft Yi Baiti"/>
+        <a:font script="Tibt" typeface="Microsoft Himalaya"/>
+        <a:font script="Thaa" typeface="MV Boli"/>
+        <a:font script="Deva" typeface="Mangal"/>
+        <a:font script="Telu" typeface="Gautami"/>
+        <a:font script="Taml" typeface="Latha"/>
+        <a:font script="Syrc" typeface="Estrangelo Edessa"/>
+        <a:font script="Orya" typeface="Kalinga"/>
+        <a:font script="Mlym" typeface="Kartika"/>
+        <a:font script="Laoo" typeface="DokChampa"/>
+        <a:font script="Sinh" typeface="Iskoola Pota"/>
+        <a:font script="Mong" typeface="Mongolian Baiti"/>
+        <a:font script="Viet" typeface="Arial"/>
+        <a:font script="Uigh" typeface="Microsoft Uighur"/>
+      </a:minorFont>
+    </a:fontScheme>
+    <a:fmtScheme name="Office">
+      <a:fillStyleLst>
+        <a:solidFill>
+          <a:schemeClr val="phClr"/>
+        </a:solidFill>
+        <a:gradFill rotWithShape="1">
+          <a:gsLst>
+            <a:gs pos="0">
+              <a:schemeClr val="phClr">
+                <a:tint val="50000"/>
+                <a:satMod val="300000"/>
+              </a:schemeClr>
+            </a:gs>
+            <a:gs pos="35000">
+              <a:schemeClr val="phClr">
+                <a:tint val="37000"/>
+                <a:satMod val="300000"/>
+              </a:schemeClr>
+            </a:gs>
+            <a:gs pos="100000">
+              <a:schemeClr val="phClr">
+                <a:tint val="15000"/>
+                <a:satMod val="350000"/>
+              </a:schemeClr>
+            </a:gs>
+          </a:gsLst>
+          <a:lin ang="16200000" scaled="1"/>
+        </a:gradFill>
+        <a:gradFill rotWithShape="1">
+          <a:gsLst>
+            <a:gs pos="0">
+              <a:schemeClr val="phClr">
+                <a:shade val="51000"/>
+                <a:satMod val="130000"/>
+              </a:schemeClr>
+            </a:gs>
+            <a:gs pos="80000">
+              <a:schemeClr val="phClr">
+                <a:shade val="93000"/>
+                <a:satMod val="130000"/>
+              </a:schemeClr>
+            </a:gs>
+            <a:gs pos="100000">
+              <a:schemeClr val="phClr">
+                <a:shade val="94000"/>
+                <a:satMod val="135000"/>
+              </a:schemeClr>
+            </a:gs>
+          </a:gsLst>
+          <a:lin ang="16200000" scaled="0"/>
+        </a:gradFill>
+      </a:fillStyleLst>
+      <a:lnStyleLst>
+        <a:ln w="9525" cap="flat" cmpd="sng" algn="ctr">
+          <a:solidFill>
+            <a:schemeClr val="phClr">
+              <a:shade val="95000"/>
+              <a:satMod val="105000"/>
+            </a:schemeClr>
+          </a:solidFill>
+          <a:prstDash val="solid"/>
+        </a:ln>
+        <a:ln w="25400" cap="flat" cmpd="sng" algn="ctr">
+          <a:solidFill>
+            <a:schemeClr val="phClr"/>
+          </a:solidFill>
+          <a:prstDash val="solid"/>
+        </a:ln>
+        <a:ln w="38100" cap="flat" cmpd="sng" algn="ctr">
+          <a:solidFill>
+            <a:schemeClr val="phClr"/>
+          </a:solidFill>
+          <a:prstDash val="solid"/>
+        </a:ln>
+      </a:lnStyleLst>
+      <a:effectStyleLst>
+        <a:effectStyle>
+          <a:effectLst>
+            <a:outerShdw blurRad="40000" dist="20000" dir="5400000" rotWithShape="0">
+              <a:srgbClr val="000000">
+                <a:alpha val="38000"/>
+              </a:srgbClr>
+            </a:outerShdw>
+          </a:effectLst>
+        </a:effectStyle>
+        <a:effectStyle>
+          <a:effectLst>
+            <a:outerShdw blurRad="40000" dist="23000" dir="5400000" rotWithShape="0">
+              <a:srgbClr val="000000">
+                <a:alpha val="35000"/>
+              </a:srgbClr>
+            </a:outerShdw>
+          </a:effectLst>
+        </a:effectStyle>
+        <a:effectStyle>
+          <a:effectLst>
+            <a:outerShdw blurRad="40000" dist="23000" dir="5400000" rotWithShape="0">
+              <a:srgbClr val="000000">
+                <a:alpha val="35000"/>
+              </a:srgbClr>
+            </a:outerShdw>
+          </a:effectLst>
+          <a:scene3d>
+            <a:camera prst="orthographicFront">
+              <a:rot lat="0" lon="0" rev="0"/>
+            </a:camera>
+            <a:lightRig rig="threePt" dir="t">
+              <a:rot lat="0" lon="0" rev="1200000"/>
+            </a:lightRig>
+          </a:scene3d>
+          <a:sp3d>
+            <a:bevelT w="63500" h="25400"/>
+          </a:sp3d>
+        </a:effectStyle>
+      </a:effectStyleLst>
+      <a:bgFillStyleLst>
+        <a:solidFill>
+          <a:schemeClr val="phClr"/>
+        </a:solidFill>
+        <a:gradFill rotWithShape="1">
+          <a:gsLst>
+            <a:gs pos="0">
+              <a:schemeClr val="phClr">
+                <a:tint val="40000"/>
+                <a:satMod val="350000"/>
+              </a:schemeClr>
+            </a:gs>
+            <a:gs pos="40000">
+              <a:schemeClr val="phClr">
+                <a:tint val="45000"/>
+                <a:shade val="99000"/>
+                <a:satMod val="350000"/>
+              </a:schemeClr>
+            </a:gs>
+            <a:gs pos="100000">
+              <a:schemeClr val="phClr">
+                <a:shade val="20000"/>
+                <a:satMod val="255000"/>
+              </a:schemeClr>
+            </a:gs>
+          </a:gsLst>
+          <a:path path="circle">
+            <a:fillToRect l="50000" t="-80000" r="50000" b="180000"/>
+          </a:path>
+        </a:gradFill>
+        <a:gradFill rotWithShape="1">
+          <a:gsLst>
+            <a:gs pos="0">
+              <a:schemeClr val="phClr">
+                <a:tint val="80000"/>
+                <a:satMod val="300000"/>
+              </a:schemeClr>
+            </a:gs>
+            <a:gs pos="100000">
+              <a:schemeClr val="phClr">
+                <a:shade val="30000"/>
+                <a:satMod val="200000"/>
+              </a:schemeClr>
+            </a:gs>
+          </a:gsLst>
+          <a:path path="circle">
+            <a:fillToRect l="50000" t="50000" r="50000" b="50000"/>
+          </a:path>
+        </a:gradFill>
+      </a:bgFillStyleLst>
+    </a:fmtScheme>
+  </a:themeElements>
+  <a:objectDefaults/>
+  <a:extraClrSchemeLst/>
+</a:theme>
 </file>